--- a/figures/psf_err.pptx
+++ b/figures/psf_err.pptx
@@ -2,12 +2,12 @@
 <file path=ppt/presentation.xml><?xml version="1.0" encoding="utf-8"?>
 <p:presentation xmlns:a="http://schemas.openxmlformats.org/drawingml/2006/main" xmlns:r="http://schemas.openxmlformats.org/officeDocument/2006/relationships" xmlns:p="http://schemas.openxmlformats.org/presentationml/2006/main" saveSubsetFonts="1" autoCompressPictures="0">
   <p:sldMasterIdLst>
-    <p:sldMasterId id="2147483672" r:id="rId1"/>
+    <p:sldMasterId id="2147483684" r:id="rId1"/>
   </p:sldMasterIdLst>
   <p:sldIdLst>
     <p:sldId id="256" r:id="rId2"/>
   </p:sldIdLst>
-  <p:sldSz cx="12192000" cy="6480175"/>
+  <p:sldSz cx="12239625" cy="6480175"/>
   <p:notesSz cx="6858000" cy="9144000"/>
   <p:defaultTextStyle>
     <a:defPPr>
@@ -104,6 +104,11 @@
       </a:defRPr>
     </a:lvl9pPr>
   </p:defaultTextStyle>
+  <p:extLst>
+    <p:ext uri="{EFAFB233-063F-42B5-8137-9DF3F51BA10A}">
+      <p15:sldGuideLst xmlns:p15="http://schemas.microsoft.com/office/powerpoint/2012/main"/>
+    </p:ext>
+  </p:extLst>
 </p:presentation>
 </file>
 
@@ -136,8 +141,8 @@
         </p:nvSpPr>
         <p:spPr>
           <a:xfrm>
-            <a:off x="1524000" y="1060529"/>
-            <a:ext cx="9144000" cy="2256061"/>
+            <a:off x="1529953" y="1060529"/>
+            <a:ext cx="9179719" cy="2256061"/>
           </a:xfrm>
         </p:spPr>
         <p:txBody>
@@ -168,8 +173,8 @@
         </p:nvSpPr>
         <p:spPr>
           <a:xfrm>
-            <a:off x="1524000" y="3403592"/>
-            <a:ext cx="9144000" cy="1564542"/>
+            <a:off x="1529953" y="3403592"/>
+            <a:ext cx="9179719" cy="1564542"/>
           </a:xfrm>
         </p:spPr>
         <p:txBody>
@@ -238,7 +243,7 @@
           <a:p>
             <a:fld id="{57FF0C53-773C-DD4A-B534-9879AE380A4C}" type="datetimeFigureOut">
               <a:rPr kumimoji="1" lang="zh-CN" altLang="en-US" smtClean="0"/>
-              <a:t>2022/10/10</a:t>
+              <a:t>2022/10/15</a:t>
             </a:fld>
             <a:endParaRPr kumimoji="1" lang="zh-CN" altLang="en-US"/>
           </a:p>
@@ -289,7 +294,7 @@
     </p:spTree>
     <p:extLst>
       <p:ext uri="{BB962C8B-B14F-4D97-AF65-F5344CB8AC3E}">
-        <p14:creationId xmlns:p14="http://schemas.microsoft.com/office/powerpoint/2010/main" val="2501934822"/>
+        <p14:creationId xmlns:p14="http://schemas.microsoft.com/office/powerpoint/2010/main" val="27053345"/>
       </p:ext>
     </p:extLst>
   </p:cSld>
@@ -408,7 +413,7 @@
           <a:p>
             <a:fld id="{57FF0C53-773C-DD4A-B534-9879AE380A4C}" type="datetimeFigureOut">
               <a:rPr kumimoji="1" lang="zh-CN" altLang="en-US" smtClean="0"/>
-              <a:t>2022/10/10</a:t>
+              <a:t>2022/10/15</a:t>
             </a:fld>
             <a:endParaRPr kumimoji="1" lang="zh-CN" altLang="en-US"/>
           </a:p>
@@ -459,7 +464,7 @@
     </p:spTree>
     <p:extLst>
       <p:ext uri="{BB962C8B-B14F-4D97-AF65-F5344CB8AC3E}">
-        <p14:creationId xmlns:p14="http://schemas.microsoft.com/office/powerpoint/2010/main" val="65723934"/>
+        <p14:creationId xmlns:p14="http://schemas.microsoft.com/office/powerpoint/2010/main" val="356309621"/>
       </p:ext>
     </p:extLst>
   </p:cSld>
@@ -498,8 +503,8 @@
         </p:nvSpPr>
         <p:spPr>
           <a:xfrm>
-            <a:off x="8724900" y="345009"/>
-            <a:ext cx="2628900" cy="5491649"/>
+            <a:off x="8758982" y="345009"/>
+            <a:ext cx="2639169" cy="5491649"/>
           </a:xfrm>
         </p:spPr>
         <p:txBody>
@@ -526,8 +531,8 @@
         </p:nvSpPr>
         <p:spPr>
           <a:xfrm>
-            <a:off x="838200" y="345009"/>
-            <a:ext cx="7734300" cy="5491649"/>
+            <a:off x="841474" y="345009"/>
+            <a:ext cx="7764512" cy="5491649"/>
           </a:xfrm>
         </p:spPr>
         <p:txBody>
@@ -588,7 +593,7 @@
           <a:p>
             <a:fld id="{57FF0C53-773C-DD4A-B534-9879AE380A4C}" type="datetimeFigureOut">
               <a:rPr kumimoji="1" lang="zh-CN" altLang="en-US" smtClean="0"/>
-              <a:t>2022/10/10</a:t>
+              <a:t>2022/10/15</a:t>
             </a:fld>
             <a:endParaRPr kumimoji="1" lang="zh-CN" altLang="en-US"/>
           </a:p>
@@ -639,7 +644,7 @@
     </p:spTree>
     <p:extLst>
       <p:ext uri="{BB962C8B-B14F-4D97-AF65-F5344CB8AC3E}">
-        <p14:creationId xmlns:p14="http://schemas.microsoft.com/office/powerpoint/2010/main" val="1865748407"/>
+        <p14:creationId xmlns:p14="http://schemas.microsoft.com/office/powerpoint/2010/main" val="782771820"/>
       </p:ext>
     </p:extLst>
   </p:cSld>
@@ -758,7 +763,7 @@
           <a:p>
             <a:fld id="{57FF0C53-773C-DD4A-B534-9879AE380A4C}" type="datetimeFigureOut">
               <a:rPr kumimoji="1" lang="zh-CN" altLang="en-US" smtClean="0"/>
-              <a:t>2022/10/10</a:t>
+              <a:t>2022/10/15</a:t>
             </a:fld>
             <a:endParaRPr kumimoji="1" lang="zh-CN" altLang="en-US"/>
           </a:p>
@@ -809,7 +814,7 @@
     </p:spTree>
     <p:extLst>
       <p:ext uri="{BB962C8B-B14F-4D97-AF65-F5344CB8AC3E}">
-        <p14:creationId xmlns:p14="http://schemas.microsoft.com/office/powerpoint/2010/main" val="3312488170"/>
+        <p14:creationId xmlns:p14="http://schemas.microsoft.com/office/powerpoint/2010/main" val="482504651"/>
       </p:ext>
     </p:extLst>
   </p:cSld>
@@ -848,8 +853,8 @@
         </p:nvSpPr>
         <p:spPr>
           <a:xfrm>
-            <a:off x="831850" y="1615545"/>
-            <a:ext cx="10515600" cy="2695572"/>
+            <a:off x="835099" y="1615545"/>
+            <a:ext cx="10556677" cy="2695572"/>
           </a:xfrm>
         </p:spPr>
         <p:txBody>
@@ -880,8 +885,8 @@
         </p:nvSpPr>
         <p:spPr>
           <a:xfrm>
-            <a:off x="831850" y="4336618"/>
-            <a:ext cx="10515600" cy="1417538"/>
+            <a:off x="835099" y="4336618"/>
+            <a:ext cx="10556677" cy="1417538"/>
           </a:xfrm>
         </p:spPr>
         <p:txBody>
@@ -1004,7 +1009,7 @@
           <a:p>
             <a:fld id="{57FF0C53-773C-DD4A-B534-9879AE380A4C}" type="datetimeFigureOut">
               <a:rPr kumimoji="1" lang="zh-CN" altLang="en-US" smtClean="0"/>
-              <a:t>2022/10/10</a:t>
+              <a:t>2022/10/15</a:t>
             </a:fld>
             <a:endParaRPr kumimoji="1" lang="zh-CN" altLang="en-US"/>
           </a:p>
@@ -1055,7 +1060,7 @@
     </p:spTree>
     <p:extLst>
       <p:ext uri="{BB962C8B-B14F-4D97-AF65-F5344CB8AC3E}">
-        <p14:creationId xmlns:p14="http://schemas.microsoft.com/office/powerpoint/2010/main" val="2141656862"/>
+        <p14:creationId xmlns:p14="http://schemas.microsoft.com/office/powerpoint/2010/main" val="725023521"/>
       </p:ext>
     </p:extLst>
   </p:cSld>
@@ -1117,8 +1122,8 @@
         </p:nvSpPr>
         <p:spPr>
           <a:xfrm>
-            <a:off x="838200" y="1725046"/>
-            <a:ext cx="5181600" cy="4111612"/>
+            <a:off x="841474" y="1725046"/>
+            <a:ext cx="5201841" cy="4111612"/>
           </a:xfrm>
         </p:spPr>
         <p:txBody>
@@ -1174,8 +1179,8 @@
         </p:nvSpPr>
         <p:spPr>
           <a:xfrm>
-            <a:off x="6172200" y="1725046"/>
-            <a:ext cx="5181600" cy="4111612"/>
+            <a:off x="6196310" y="1725046"/>
+            <a:ext cx="5201841" cy="4111612"/>
           </a:xfrm>
         </p:spPr>
         <p:txBody>
@@ -1236,7 +1241,7 @@
           <a:p>
             <a:fld id="{57FF0C53-773C-DD4A-B534-9879AE380A4C}" type="datetimeFigureOut">
               <a:rPr kumimoji="1" lang="zh-CN" altLang="en-US" smtClean="0"/>
-              <a:t>2022/10/10</a:t>
+              <a:t>2022/10/15</a:t>
             </a:fld>
             <a:endParaRPr kumimoji="1" lang="zh-CN" altLang="en-US"/>
           </a:p>
@@ -1287,7 +1292,7 @@
     </p:spTree>
     <p:extLst>
       <p:ext uri="{BB962C8B-B14F-4D97-AF65-F5344CB8AC3E}">
-        <p14:creationId xmlns:p14="http://schemas.microsoft.com/office/powerpoint/2010/main" val="2297809305"/>
+        <p14:creationId xmlns:p14="http://schemas.microsoft.com/office/powerpoint/2010/main" val="4118334180"/>
       </p:ext>
     </p:extLst>
   </p:cSld>
@@ -1326,8 +1331,8 @@
         </p:nvSpPr>
         <p:spPr>
           <a:xfrm>
-            <a:off x="839788" y="345010"/>
-            <a:ext cx="10515600" cy="1252534"/>
+            <a:off x="843068" y="345010"/>
+            <a:ext cx="10556677" cy="1252534"/>
           </a:xfrm>
         </p:spPr>
         <p:txBody>
@@ -1354,8 +1359,8 @@
         </p:nvSpPr>
         <p:spPr>
           <a:xfrm>
-            <a:off x="839789" y="1588543"/>
-            <a:ext cx="5157787" cy="778521"/>
+            <a:off x="843069" y="1588543"/>
+            <a:ext cx="5177935" cy="778521"/>
           </a:xfrm>
         </p:spPr>
         <p:txBody>
@@ -1419,8 +1424,8 @@
         </p:nvSpPr>
         <p:spPr>
           <a:xfrm>
-            <a:off x="839789" y="2367064"/>
-            <a:ext cx="5157787" cy="3481594"/>
+            <a:off x="843069" y="2367064"/>
+            <a:ext cx="5177935" cy="3481594"/>
           </a:xfrm>
         </p:spPr>
         <p:txBody>
@@ -1476,8 +1481,8 @@
         </p:nvSpPr>
         <p:spPr>
           <a:xfrm>
-            <a:off x="6172200" y="1588543"/>
-            <a:ext cx="5183188" cy="778521"/>
+            <a:off x="6196310" y="1588543"/>
+            <a:ext cx="5203435" cy="778521"/>
           </a:xfrm>
         </p:spPr>
         <p:txBody>
@@ -1541,8 +1546,8 @@
         </p:nvSpPr>
         <p:spPr>
           <a:xfrm>
-            <a:off x="6172200" y="2367064"/>
-            <a:ext cx="5183188" cy="3481594"/>
+            <a:off x="6196310" y="2367064"/>
+            <a:ext cx="5203435" cy="3481594"/>
           </a:xfrm>
         </p:spPr>
         <p:txBody>
@@ -1603,7 +1608,7 @@
           <a:p>
             <a:fld id="{57FF0C53-773C-DD4A-B534-9879AE380A4C}" type="datetimeFigureOut">
               <a:rPr kumimoji="1" lang="zh-CN" altLang="en-US" smtClean="0"/>
-              <a:t>2022/10/10</a:t>
+              <a:t>2022/10/15</a:t>
             </a:fld>
             <a:endParaRPr kumimoji="1" lang="zh-CN" altLang="en-US"/>
           </a:p>
@@ -1654,7 +1659,7 @@
     </p:spTree>
     <p:extLst>
       <p:ext uri="{BB962C8B-B14F-4D97-AF65-F5344CB8AC3E}">
-        <p14:creationId xmlns:p14="http://schemas.microsoft.com/office/powerpoint/2010/main" val="3477116270"/>
+        <p14:creationId xmlns:p14="http://schemas.microsoft.com/office/powerpoint/2010/main" val="2397680771"/>
       </p:ext>
     </p:extLst>
   </p:cSld>
@@ -1721,7 +1726,7 @@
           <a:p>
             <a:fld id="{57FF0C53-773C-DD4A-B534-9879AE380A4C}" type="datetimeFigureOut">
               <a:rPr kumimoji="1" lang="zh-CN" altLang="en-US" smtClean="0"/>
-              <a:t>2022/10/10</a:t>
+              <a:t>2022/10/15</a:t>
             </a:fld>
             <a:endParaRPr kumimoji="1" lang="zh-CN" altLang="en-US"/>
           </a:p>
@@ -1772,7 +1777,7 @@
     </p:spTree>
     <p:extLst>
       <p:ext uri="{BB962C8B-B14F-4D97-AF65-F5344CB8AC3E}">
-        <p14:creationId xmlns:p14="http://schemas.microsoft.com/office/powerpoint/2010/main" val="2865120675"/>
+        <p14:creationId xmlns:p14="http://schemas.microsoft.com/office/powerpoint/2010/main" val="2144268298"/>
       </p:ext>
     </p:extLst>
   </p:cSld>
@@ -1816,7 +1821,7 @@
           <a:p>
             <a:fld id="{57FF0C53-773C-DD4A-B534-9879AE380A4C}" type="datetimeFigureOut">
               <a:rPr kumimoji="1" lang="zh-CN" altLang="en-US" smtClean="0"/>
-              <a:t>2022/10/10</a:t>
+              <a:t>2022/10/15</a:t>
             </a:fld>
             <a:endParaRPr kumimoji="1" lang="zh-CN" altLang="en-US"/>
           </a:p>
@@ -1867,7 +1872,7 @@
     </p:spTree>
     <p:extLst>
       <p:ext uri="{BB962C8B-B14F-4D97-AF65-F5344CB8AC3E}">
-        <p14:creationId xmlns:p14="http://schemas.microsoft.com/office/powerpoint/2010/main" val="1440093294"/>
+        <p14:creationId xmlns:p14="http://schemas.microsoft.com/office/powerpoint/2010/main" val="3988515925"/>
       </p:ext>
     </p:extLst>
   </p:cSld>
@@ -1906,8 +1911,8 @@
         </p:nvSpPr>
         <p:spPr>
           <a:xfrm>
-            <a:off x="839789" y="432012"/>
-            <a:ext cx="3932237" cy="1512041"/>
+            <a:off x="843069" y="432012"/>
+            <a:ext cx="3947597" cy="1512041"/>
           </a:xfrm>
         </p:spPr>
         <p:txBody>
@@ -1938,8 +1943,8 @@
         </p:nvSpPr>
         <p:spPr>
           <a:xfrm>
-            <a:off x="5183188" y="933026"/>
-            <a:ext cx="6172200" cy="4605124"/>
+            <a:off x="5203435" y="933026"/>
+            <a:ext cx="6196310" cy="4605124"/>
           </a:xfrm>
         </p:spPr>
         <p:txBody>
@@ -2023,8 +2028,8 @@
         </p:nvSpPr>
         <p:spPr>
           <a:xfrm>
-            <a:off x="839789" y="1944052"/>
-            <a:ext cx="3932237" cy="3601598"/>
+            <a:off x="843069" y="1944052"/>
+            <a:ext cx="3947597" cy="3601598"/>
           </a:xfrm>
         </p:spPr>
         <p:txBody>
@@ -2093,7 +2098,7 @@
           <a:p>
             <a:fld id="{57FF0C53-773C-DD4A-B534-9879AE380A4C}" type="datetimeFigureOut">
               <a:rPr kumimoji="1" lang="zh-CN" altLang="en-US" smtClean="0"/>
-              <a:t>2022/10/10</a:t>
+              <a:t>2022/10/15</a:t>
             </a:fld>
             <a:endParaRPr kumimoji="1" lang="zh-CN" altLang="en-US"/>
           </a:p>
@@ -2144,7 +2149,7 @@
     </p:spTree>
     <p:extLst>
       <p:ext uri="{BB962C8B-B14F-4D97-AF65-F5344CB8AC3E}">
-        <p14:creationId xmlns:p14="http://schemas.microsoft.com/office/powerpoint/2010/main" val="701700458"/>
+        <p14:creationId xmlns:p14="http://schemas.microsoft.com/office/powerpoint/2010/main" val="2848471188"/>
       </p:ext>
     </p:extLst>
   </p:cSld>
@@ -2183,8 +2188,8 @@
         </p:nvSpPr>
         <p:spPr>
           <a:xfrm>
-            <a:off x="839789" y="432012"/>
-            <a:ext cx="3932237" cy="1512041"/>
+            <a:off x="843069" y="432012"/>
+            <a:ext cx="3947597" cy="1512041"/>
           </a:xfrm>
         </p:spPr>
         <p:txBody>
@@ -2215,8 +2220,8 @@
         </p:nvSpPr>
         <p:spPr>
           <a:xfrm>
-            <a:off x="5183188" y="933026"/>
-            <a:ext cx="6172200" cy="4605124"/>
+            <a:off x="5203435" y="933026"/>
+            <a:ext cx="6196310" cy="4605124"/>
           </a:xfrm>
         </p:spPr>
         <p:txBody>
@@ -2280,8 +2285,8 @@
         </p:nvSpPr>
         <p:spPr>
           <a:xfrm>
-            <a:off x="839789" y="1944052"/>
-            <a:ext cx="3932237" cy="3601598"/>
+            <a:off x="843069" y="1944052"/>
+            <a:ext cx="3947597" cy="3601598"/>
           </a:xfrm>
         </p:spPr>
         <p:txBody>
@@ -2350,7 +2355,7 @@
           <a:p>
             <a:fld id="{57FF0C53-773C-DD4A-B534-9879AE380A4C}" type="datetimeFigureOut">
               <a:rPr kumimoji="1" lang="zh-CN" altLang="en-US" smtClean="0"/>
-              <a:t>2022/10/10</a:t>
+              <a:t>2022/10/15</a:t>
             </a:fld>
             <a:endParaRPr kumimoji="1" lang="zh-CN" altLang="en-US"/>
           </a:p>
@@ -2401,7 +2406,7 @@
     </p:spTree>
     <p:extLst>
       <p:ext uri="{BB962C8B-B14F-4D97-AF65-F5344CB8AC3E}">
-        <p14:creationId xmlns:p14="http://schemas.microsoft.com/office/powerpoint/2010/main" val="241259005"/>
+        <p14:creationId xmlns:p14="http://schemas.microsoft.com/office/powerpoint/2010/main" val="2485362918"/>
       </p:ext>
     </p:extLst>
   </p:cSld>
@@ -2445,8 +2450,8 @@
         </p:nvSpPr>
         <p:spPr>
           <a:xfrm>
-            <a:off x="838200" y="345010"/>
-            <a:ext cx="10515600" cy="1252534"/>
+            <a:off x="841474" y="345010"/>
+            <a:ext cx="10556677" cy="1252534"/>
           </a:xfrm>
           <a:prstGeom prst="rect">
             <a:avLst/>
@@ -2478,8 +2483,8 @@
         </p:nvSpPr>
         <p:spPr>
           <a:xfrm>
-            <a:off x="838200" y="1725046"/>
-            <a:ext cx="10515600" cy="4111612"/>
+            <a:off x="841474" y="1725046"/>
+            <a:ext cx="10556677" cy="4111612"/>
           </a:xfrm>
           <a:prstGeom prst="rect">
             <a:avLst/>
@@ -2540,8 +2545,8 @@
         </p:nvSpPr>
         <p:spPr>
           <a:xfrm>
-            <a:off x="838200" y="6006163"/>
-            <a:ext cx="2743200" cy="345009"/>
+            <a:off x="841474" y="6006163"/>
+            <a:ext cx="2753916" cy="345009"/>
           </a:xfrm>
           <a:prstGeom prst="rect">
             <a:avLst/>
@@ -2563,7 +2568,7 @@
           <a:p>
             <a:fld id="{57FF0C53-773C-DD4A-B534-9879AE380A4C}" type="datetimeFigureOut">
               <a:rPr kumimoji="1" lang="zh-CN" altLang="en-US" smtClean="0"/>
-              <a:t>2022/10/10</a:t>
+              <a:t>2022/10/15</a:t>
             </a:fld>
             <a:endParaRPr kumimoji="1" lang="zh-CN" altLang="en-US"/>
           </a:p>
@@ -2581,8 +2586,8 @@
         </p:nvSpPr>
         <p:spPr>
           <a:xfrm>
-            <a:off x="4038600" y="6006163"/>
-            <a:ext cx="4114800" cy="345009"/>
+            <a:off x="4054376" y="6006163"/>
+            <a:ext cx="4130873" cy="345009"/>
           </a:xfrm>
           <a:prstGeom prst="rect">
             <a:avLst/>
@@ -2618,8 +2623,8 @@
         </p:nvSpPr>
         <p:spPr>
           <a:xfrm>
-            <a:off x="8610600" y="6006163"/>
-            <a:ext cx="2743200" cy="345009"/>
+            <a:off x="8644235" y="6006163"/>
+            <a:ext cx="2753916" cy="345009"/>
           </a:xfrm>
           <a:prstGeom prst="rect">
             <a:avLst/>
@@ -2650,23 +2655,23 @@
     </p:spTree>
     <p:extLst>
       <p:ext uri="{BB962C8B-B14F-4D97-AF65-F5344CB8AC3E}">
-        <p14:creationId xmlns:p14="http://schemas.microsoft.com/office/powerpoint/2010/main" val="3805388376"/>
+        <p14:creationId xmlns:p14="http://schemas.microsoft.com/office/powerpoint/2010/main" val="3053499557"/>
       </p:ext>
     </p:extLst>
   </p:cSld>
   <p:clrMap bg1="lt1" tx1="dk1" bg2="lt2" tx2="dk2" accent1="accent1" accent2="accent2" accent3="accent3" accent4="accent4" accent5="accent5" accent6="accent6" hlink="hlink" folHlink="folHlink"/>
   <p:sldLayoutIdLst>
-    <p:sldLayoutId id="2147483673" r:id="rId1"/>
-    <p:sldLayoutId id="2147483674" r:id="rId2"/>
-    <p:sldLayoutId id="2147483675" r:id="rId3"/>
-    <p:sldLayoutId id="2147483676" r:id="rId4"/>
-    <p:sldLayoutId id="2147483677" r:id="rId5"/>
-    <p:sldLayoutId id="2147483678" r:id="rId6"/>
-    <p:sldLayoutId id="2147483679" r:id="rId7"/>
-    <p:sldLayoutId id="2147483680" r:id="rId8"/>
-    <p:sldLayoutId id="2147483681" r:id="rId9"/>
-    <p:sldLayoutId id="2147483682" r:id="rId10"/>
-    <p:sldLayoutId id="2147483683" r:id="rId11"/>
+    <p:sldLayoutId id="2147483685" r:id="rId1"/>
+    <p:sldLayoutId id="2147483686" r:id="rId2"/>
+    <p:sldLayoutId id="2147483687" r:id="rId3"/>
+    <p:sldLayoutId id="2147483688" r:id="rId4"/>
+    <p:sldLayoutId id="2147483689" r:id="rId5"/>
+    <p:sldLayoutId id="2147483690" r:id="rId6"/>
+    <p:sldLayoutId id="2147483691" r:id="rId7"/>
+    <p:sldLayoutId id="2147483692" r:id="rId8"/>
+    <p:sldLayoutId id="2147483693" r:id="rId9"/>
+    <p:sldLayoutId id="2147483694" r:id="rId10"/>
+    <p:sldLayoutId id="2147483695" r:id="rId11"/>
   </p:sldLayoutIdLst>
   <p:txStyles>
     <p:titleStyle>
@@ -2970,10 +2975,10 @@
       </p:grpSpPr>
       <p:pic>
         <p:nvPicPr>
-          <p:cNvPr id="9" name="图片 8" descr="图表&#10;&#10;描述已自动生成">
+          <p:cNvPr id="15" name="图片 14">
             <a:extLst>
               <a:ext uri="{FF2B5EF4-FFF2-40B4-BE49-F238E27FC236}">
-                <a16:creationId xmlns:a16="http://schemas.microsoft.com/office/drawing/2014/main" id="{E36DB3D1-7C9C-7103-3A01-032393414D1C}"/>
+                <a16:creationId xmlns:a16="http://schemas.microsoft.com/office/drawing/2014/main" id="{73A2B07F-D204-2EA5-BE70-4046BACE8CC9}"/>
               </a:ext>
             </a:extLst>
           </p:cNvPr>
@@ -2990,38 +2995,8 @@
         </p:blipFill>
         <p:spPr>
           <a:xfrm>
-            <a:off x="305743" y="203372"/>
-            <a:ext cx="11523530" cy="5479085"/>
-          </a:xfrm>
-          <a:prstGeom prst="rect">
-            <a:avLst/>
-          </a:prstGeom>
-        </p:spPr>
-      </p:pic>
-      <p:pic>
-        <p:nvPicPr>
-          <p:cNvPr id="15" name="图片 14">
-            <a:extLst>
-              <a:ext uri="{FF2B5EF4-FFF2-40B4-BE49-F238E27FC236}">
-                <a16:creationId xmlns:a16="http://schemas.microsoft.com/office/drawing/2014/main" id="{73A2B07F-D204-2EA5-BE70-4046BACE8CC9}"/>
-              </a:ext>
-            </a:extLst>
-          </p:cNvPr>
-          <p:cNvPicPr>
-            <a:picLocks noChangeAspect="1"/>
-          </p:cNvPicPr>
-          <p:nvPr/>
-        </p:nvPicPr>
-        <p:blipFill>
-          <a:blip r:embed="rId3"/>
-          <a:stretch>
-            <a:fillRect/>
-          </a:stretch>
-        </p:blipFill>
-        <p:spPr>
-          <a:xfrm>
-            <a:off x="691200" y="5682458"/>
-            <a:ext cx="5336106" cy="554400"/>
+            <a:off x="693900" y="5691998"/>
+            <a:ext cx="5356950" cy="556566"/>
           </a:xfrm>
           <a:prstGeom prst="rect">
             <a:avLst/>
@@ -3043,6 +3018,36 @@
           <p:nvPr/>
         </p:nvPicPr>
         <p:blipFill>
+          <a:blip r:embed="rId3"/>
+          <a:stretch>
+            <a:fillRect/>
+          </a:stretch>
+        </p:blipFill>
+        <p:spPr>
+          <a:xfrm>
+            <a:off x="6667945" y="5686446"/>
+            <a:ext cx="5356950" cy="556566"/>
+          </a:xfrm>
+          <a:prstGeom prst="rect">
+            <a:avLst/>
+          </a:prstGeom>
+        </p:spPr>
+      </p:pic>
+      <p:pic>
+        <p:nvPicPr>
+          <p:cNvPr id="3" name="图片 2" descr="图形用户界面, 图表, 折线图&#10;&#10;描述已自动生成">
+            <a:extLst>
+              <a:ext uri="{FF2B5EF4-FFF2-40B4-BE49-F238E27FC236}">
+                <a16:creationId xmlns:a16="http://schemas.microsoft.com/office/drawing/2014/main" id="{4469CDF6-D4BD-7C7D-2316-9F18590F9F7A}"/>
+              </a:ext>
+            </a:extLst>
+          </p:cNvPr>
+          <p:cNvPicPr>
+            <a:picLocks noChangeAspect="1"/>
+          </p:cNvPicPr>
+          <p:nvPr/>
+        </p:nvPicPr>
+        <p:blipFill>
           <a:blip r:embed="rId4"/>
           <a:stretch>
             <a:fillRect/>
@@ -3050,8 +3055,8 @@
         </p:blipFill>
         <p:spPr>
           <a:xfrm>
-            <a:off x="6642000" y="5676927"/>
-            <a:ext cx="5336106" cy="554400"/>
+            <a:off x="266578" y="231703"/>
+            <a:ext cx="11568544" cy="5454744"/>
           </a:xfrm>
           <a:prstGeom prst="rect">
             <a:avLst/>

--- a/figures/psf_err.pptx
+++ b/figures/psf_err.pptx
@@ -243,7 +243,7 @@
           <a:p>
             <a:fld id="{57FF0C53-773C-DD4A-B534-9879AE380A4C}" type="datetimeFigureOut">
               <a:rPr kumimoji="1" lang="zh-CN" altLang="en-US" smtClean="0"/>
-              <a:t>2022/10/15</a:t>
+              <a:t>2022/10/21</a:t>
             </a:fld>
             <a:endParaRPr kumimoji="1" lang="zh-CN" altLang="en-US"/>
           </a:p>
@@ -413,7 +413,7 @@
           <a:p>
             <a:fld id="{57FF0C53-773C-DD4A-B534-9879AE380A4C}" type="datetimeFigureOut">
               <a:rPr kumimoji="1" lang="zh-CN" altLang="en-US" smtClean="0"/>
-              <a:t>2022/10/15</a:t>
+              <a:t>2022/10/21</a:t>
             </a:fld>
             <a:endParaRPr kumimoji="1" lang="zh-CN" altLang="en-US"/>
           </a:p>
@@ -593,7 +593,7 @@
           <a:p>
             <a:fld id="{57FF0C53-773C-DD4A-B534-9879AE380A4C}" type="datetimeFigureOut">
               <a:rPr kumimoji="1" lang="zh-CN" altLang="en-US" smtClean="0"/>
-              <a:t>2022/10/15</a:t>
+              <a:t>2022/10/21</a:t>
             </a:fld>
             <a:endParaRPr kumimoji="1" lang="zh-CN" altLang="en-US"/>
           </a:p>
@@ -763,7 +763,7 @@
           <a:p>
             <a:fld id="{57FF0C53-773C-DD4A-B534-9879AE380A4C}" type="datetimeFigureOut">
               <a:rPr kumimoji="1" lang="zh-CN" altLang="en-US" smtClean="0"/>
-              <a:t>2022/10/15</a:t>
+              <a:t>2022/10/21</a:t>
             </a:fld>
             <a:endParaRPr kumimoji="1" lang="zh-CN" altLang="en-US"/>
           </a:p>
@@ -1009,7 +1009,7 @@
           <a:p>
             <a:fld id="{57FF0C53-773C-DD4A-B534-9879AE380A4C}" type="datetimeFigureOut">
               <a:rPr kumimoji="1" lang="zh-CN" altLang="en-US" smtClean="0"/>
-              <a:t>2022/10/15</a:t>
+              <a:t>2022/10/21</a:t>
             </a:fld>
             <a:endParaRPr kumimoji="1" lang="zh-CN" altLang="en-US"/>
           </a:p>
@@ -1241,7 +1241,7 @@
           <a:p>
             <a:fld id="{57FF0C53-773C-DD4A-B534-9879AE380A4C}" type="datetimeFigureOut">
               <a:rPr kumimoji="1" lang="zh-CN" altLang="en-US" smtClean="0"/>
-              <a:t>2022/10/15</a:t>
+              <a:t>2022/10/21</a:t>
             </a:fld>
             <a:endParaRPr kumimoji="1" lang="zh-CN" altLang="en-US"/>
           </a:p>
@@ -1608,7 +1608,7 @@
           <a:p>
             <a:fld id="{57FF0C53-773C-DD4A-B534-9879AE380A4C}" type="datetimeFigureOut">
               <a:rPr kumimoji="1" lang="zh-CN" altLang="en-US" smtClean="0"/>
-              <a:t>2022/10/15</a:t>
+              <a:t>2022/10/21</a:t>
             </a:fld>
             <a:endParaRPr kumimoji="1" lang="zh-CN" altLang="en-US"/>
           </a:p>
@@ -1726,7 +1726,7 @@
           <a:p>
             <a:fld id="{57FF0C53-773C-DD4A-B534-9879AE380A4C}" type="datetimeFigureOut">
               <a:rPr kumimoji="1" lang="zh-CN" altLang="en-US" smtClean="0"/>
-              <a:t>2022/10/15</a:t>
+              <a:t>2022/10/21</a:t>
             </a:fld>
             <a:endParaRPr kumimoji="1" lang="zh-CN" altLang="en-US"/>
           </a:p>
@@ -1821,7 +1821,7 @@
           <a:p>
             <a:fld id="{57FF0C53-773C-DD4A-B534-9879AE380A4C}" type="datetimeFigureOut">
               <a:rPr kumimoji="1" lang="zh-CN" altLang="en-US" smtClean="0"/>
-              <a:t>2022/10/15</a:t>
+              <a:t>2022/10/21</a:t>
             </a:fld>
             <a:endParaRPr kumimoji="1" lang="zh-CN" altLang="en-US"/>
           </a:p>
@@ -2098,7 +2098,7 @@
           <a:p>
             <a:fld id="{57FF0C53-773C-DD4A-B534-9879AE380A4C}" type="datetimeFigureOut">
               <a:rPr kumimoji="1" lang="zh-CN" altLang="en-US" smtClean="0"/>
-              <a:t>2022/10/15</a:t>
+              <a:t>2022/10/21</a:t>
             </a:fld>
             <a:endParaRPr kumimoji="1" lang="zh-CN" altLang="en-US"/>
           </a:p>
@@ -2355,7 +2355,7 @@
           <a:p>
             <a:fld id="{57FF0C53-773C-DD4A-B534-9879AE380A4C}" type="datetimeFigureOut">
               <a:rPr kumimoji="1" lang="zh-CN" altLang="en-US" smtClean="0"/>
-              <a:t>2022/10/15</a:t>
+              <a:t>2022/10/21</a:t>
             </a:fld>
             <a:endParaRPr kumimoji="1" lang="zh-CN" altLang="en-US"/>
           </a:p>
@@ -2568,7 +2568,7 @@
           <a:p>
             <a:fld id="{57FF0C53-773C-DD4A-B534-9879AE380A4C}" type="datetimeFigureOut">
               <a:rPr kumimoji="1" lang="zh-CN" altLang="en-US" smtClean="0"/>
-              <a:t>2022/10/15</a:t>
+              <a:t>2022/10/21</a:t>
             </a:fld>
             <a:endParaRPr kumimoji="1" lang="zh-CN" altLang="en-US"/>
           </a:p>
@@ -3025,7 +3025,7 @@
         </p:blipFill>
         <p:spPr>
           <a:xfrm>
-            <a:off x="6667945" y="5686446"/>
+            <a:off x="6678105" y="5702158"/>
             <a:ext cx="5356950" cy="556566"/>
           </a:xfrm>
           <a:prstGeom prst="rect">
@@ -3035,10 +3035,10 @@
       </p:pic>
       <p:pic>
         <p:nvPicPr>
-          <p:cNvPr id="3" name="图片 2" descr="图形用户界面, 图表, 折线图&#10;&#10;描述已自动生成">
+          <p:cNvPr id="4" name="图片 3">
             <a:extLst>
               <a:ext uri="{FF2B5EF4-FFF2-40B4-BE49-F238E27FC236}">
-                <a16:creationId xmlns:a16="http://schemas.microsoft.com/office/drawing/2014/main" id="{4469CDF6-D4BD-7C7D-2316-9F18590F9F7A}"/>
+                <a16:creationId xmlns:a16="http://schemas.microsoft.com/office/drawing/2014/main" id="{740651A4-7078-D593-1794-15FF6FC5CDE7}"/>
               </a:ext>
             </a:extLst>
           </p:cNvPr>
@@ -3055,8 +3055,8 @@
         </p:blipFill>
         <p:spPr>
           <a:xfrm>
-            <a:off x="266578" y="231703"/>
-            <a:ext cx="11568544" cy="5454744"/>
+            <a:off x="337955" y="231611"/>
+            <a:ext cx="11563713" cy="5452465"/>
           </a:xfrm>
           <a:prstGeom prst="rect">
             <a:avLst/>

--- a/figures/psf_err.pptx
+++ b/figures/psf_err.pptx
@@ -2,12 +2,12 @@
 <file path=ppt/presentation.xml><?xml version="1.0" encoding="utf-8"?>
 <p:presentation xmlns:a="http://schemas.openxmlformats.org/drawingml/2006/main" xmlns:r="http://schemas.openxmlformats.org/officeDocument/2006/relationships" xmlns:p="http://schemas.openxmlformats.org/presentationml/2006/main" saveSubsetFonts="1" autoCompressPictures="0">
   <p:sldMasterIdLst>
-    <p:sldMasterId id="2147483684" r:id="rId1"/>
+    <p:sldMasterId id="2147483720" r:id="rId1"/>
   </p:sldMasterIdLst>
   <p:sldIdLst>
     <p:sldId id="256" r:id="rId2"/>
   </p:sldIdLst>
-  <p:sldSz cx="12239625" cy="6480175"/>
+  <p:sldSz cx="12095163" cy="5688013"/>
   <p:notesSz cx="6858000" cy="9144000"/>
   <p:defaultTextStyle>
     <a:defPPr>
@@ -141,15 +141,15 @@
         </p:nvSpPr>
         <p:spPr>
           <a:xfrm>
-            <a:off x="1529953" y="1060529"/>
-            <a:ext cx="9179719" cy="2256061"/>
+            <a:off x="1511896" y="930886"/>
+            <a:ext cx="9071372" cy="1980271"/>
           </a:xfrm>
         </p:spPr>
         <p:txBody>
           <a:bodyPr anchor="b"/>
           <a:lstStyle>
             <a:lvl1pPr algn="ctr">
-              <a:defRPr sz="5669"/>
+              <a:defRPr sz="4976"/>
             </a:lvl1pPr>
           </a:lstStyle>
           <a:p>
@@ -173,8 +173,8 @@
         </p:nvSpPr>
         <p:spPr>
           <a:xfrm>
-            <a:off x="1529953" y="3403592"/>
-            <a:ext cx="9179719" cy="1564542"/>
+            <a:off x="1511896" y="2987524"/>
+            <a:ext cx="9071372" cy="1373286"/>
           </a:xfrm>
         </p:spPr>
         <p:txBody>
@@ -182,39 +182,39 @@
           <a:lstStyle>
             <a:lvl1pPr marL="0" indent="0" algn="ctr">
               <a:buNone/>
-              <a:defRPr sz="2268"/>
+              <a:defRPr sz="1991"/>
             </a:lvl1pPr>
-            <a:lvl2pPr marL="432008" indent="0" algn="ctr">
-              <a:buNone/>
-              <a:defRPr sz="1890"/>
+            <a:lvl2pPr marL="379202" indent="0" algn="ctr">
+              <a:buNone/>
+              <a:defRPr sz="1659"/>
             </a:lvl2pPr>
-            <a:lvl3pPr marL="864017" indent="0" algn="ctr">
-              <a:buNone/>
-              <a:defRPr sz="1701"/>
+            <a:lvl3pPr marL="758403" indent="0" algn="ctr">
+              <a:buNone/>
+              <a:defRPr sz="1493"/>
             </a:lvl3pPr>
-            <a:lvl4pPr marL="1296025" indent="0" algn="ctr">
-              <a:buNone/>
-              <a:defRPr sz="1512"/>
+            <a:lvl4pPr marL="1137605" indent="0" algn="ctr">
+              <a:buNone/>
+              <a:defRPr sz="1327"/>
             </a:lvl4pPr>
-            <a:lvl5pPr marL="1728033" indent="0" algn="ctr">
-              <a:buNone/>
-              <a:defRPr sz="1512"/>
+            <a:lvl5pPr marL="1516807" indent="0" algn="ctr">
+              <a:buNone/>
+              <a:defRPr sz="1327"/>
             </a:lvl5pPr>
-            <a:lvl6pPr marL="2160041" indent="0" algn="ctr">
-              <a:buNone/>
-              <a:defRPr sz="1512"/>
+            <a:lvl6pPr marL="1896008" indent="0" algn="ctr">
+              <a:buNone/>
+              <a:defRPr sz="1327"/>
             </a:lvl6pPr>
-            <a:lvl7pPr marL="2592050" indent="0" algn="ctr">
-              <a:buNone/>
-              <a:defRPr sz="1512"/>
+            <a:lvl7pPr marL="2275210" indent="0" algn="ctr">
+              <a:buNone/>
+              <a:defRPr sz="1327"/>
             </a:lvl7pPr>
-            <a:lvl8pPr marL="3024058" indent="0" algn="ctr">
-              <a:buNone/>
-              <a:defRPr sz="1512"/>
+            <a:lvl8pPr marL="2654412" indent="0" algn="ctr">
+              <a:buNone/>
+              <a:defRPr sz="1327"/>
             </a:lvl8pPr>
-            <a:lvl9pPr marL="3456066" indent="0" algn="ctr">
-              <a:buNone/>
-              <a:defRPr sz="1512"/>
+            <a:lvl9pPr marL="3033613" indent="0" algn="ctr">
+              <a:buNone/>
+              <a:defRPr sz="1327"/>
             </a:lvl9pPr>
           </a:lstStyle>
           <a:p>
@@ -243,7 +243,7 @@
           <a:p>
             <a:fld id="{57FF0C53-773C-DD4A-B534-9879AE380A4C}" type="datetimeFigureOut">
               <a:rPr kumimoji="1" lang="zh-CN" altLang="en-US" smtClean="0"/>
-              <a:t>2022/10/21</a:t>
+              <a:t>2022/10/25</a:t>
             </a:fld>
             <a:endParaRPr kumimoji="1" lang="zh-CN" altLang="en-US"/>
           </a:p>
@@ -294,7 +294,7 @@
     </p:spTree>
     <p:extLst>
       <p:ext uri="{BB962C8B-B14F-4D97-AF65-F5344CB8AC3E}">
-        <p14:creationId xmlns:p14="http://schemas.microsoft.com/office/powerpoint/2010/main" val="27053345"/>
+        <p14:creationId xmlns:p14="http://schemas.microsoft.com/office/powerpoint/2010/main" val="2006902344"/>
       </p:ext>
     </p:extLst>
   </p:cSld>
@@ -413,7 +413,7 @@
           <a:p>
             <a:fld id="{57FF0C53-773C-DD4A-B534-9879AE380A4C}" type="datetimeFigureOut">
               <a:rPr kumimoji="1" lang="zh-CN" altLang="en-US" smtClean="0"/>
-              <a:t>2022/10/21</a:t>
+              <a:t>2022/10/25</a:t>
             </a:fld>
             <a:endParaRPr kumimoji="1" lang="zh-CN" altLang="en-US"/>
           </a:p>
@@ -464,7 +464,7 @@
     </p:spTree>
     <p:extLst>
       <p:ext uri="{BB962C8B-B14F-4D97-AF65-F5344CB8AC3E}">
-        <p14:creationId xmlns:p14="http://schemas.microsoft.com/office/powerpoint/2010/main" val="356309621"/>
+        <p14:creationId xmlns:p14="http://schemas.microsoft.com/office/powerpoint/2010/main" val="3692100506"/>
       </p:ext>
     </p:extLst>
   </p:cSld>
@@ -503,8 +503,8 @@
         </p:nvSpPr>
         <p:spPr>
           <a:xfrm>
-            <a:off x="8758982" y="345009"/>
-            <a:ext cx="2639169" cy="5491649"/>
+            <a:off x="8655601" y="302834"/>
+            <a:ext cx="2608020" cy="4820328"/>
           </a:xfrm>
         </p:spPr>
         <p:txBody>
@@ -531,8 +531,8 @@
         </p:nvSpPr>
         <p:spPr>
           <a:xfrm>
-            <a:off x="841474" y="345009"/>
-            <a:ext cx="7764512" cy="5491649"/>
+            <a:off x="831542" y="302834"/>
+            <a:ext cx="7672869" cy="4820328"/>
           </a:xfrm>
         </p:spPr>
         <p:txBody>
@@ -593,7 +593,7 @@
           <a:p>
             <a:fld id="{57FF0C53-773C-DD4A-B534-9879AE380A4C}" type="datetimeFigureOut">
               <a:rPr kumimoji="1" lang="zh-CN" altLang="en-US" smtClean="0"/>
-              <a:t>2022/10/21</a:t>
+              <a:t>2022/10/25</a:t>
             </a:fld>
             <a:endParaRPr kumimoji="1" lang="zh-CN" altLang="en-US"/>
           </a:p>
@@ -644,7 +644,7 @@
     </p:spTree>
     <p:extLst>
       <p:ext uri="{BB962C8B-B14F-4D97-AF65-F5344CB8AC3E}">
-        <p14:creationId xmlns:p14="http://schemas.microsoft.com/office/powerpoint/2010/main" val="782771820"/>
+        <p14:creationId xmlns:p14="http://schemas.microsoft.com/office/powerpoint/2010/main" val="3254501978"/>
       </p:ext>
     </p:extLst>
   </p:cSld>
@@ -763,7 +763,7 @@
           <a:p>
             <a:fld id="{57FF0C53-773C-DD4A-B534-9879AE380A4C}" type="datetimeFigureOut">
               <a:rPr kumimoji="1" lang="zh-CN" altLang="en-US" smtClean="0"/>
-              <a:t>2022/10/21</a:t>
+              <a:t>2022/10/25</a:t>
             </a:fld>
             <a:endParaRPr kumimoji="1" lang="zh-CN" altLang="en-US"/>
           </a:p>
@@ -814,7 +814,7 @@
     </p:spTree>
     <p:extLst>
       <p:ext uri="{BB962C8B-B14F-4D97-AF65-F5344CB8AC3E}">
-        <p14:creationId xmlns:p14="http://schemas.microsoft.com/office/powerpoint/2010/main" val="482504651"/>
+        <p14:creationId xmlns:p14="http://schemas.microsoft.com/office/powerpoint/2010/main" val="2033024616"/>
       </p:ext>
     </p:extLst>
   </p:cSld>
@@ -853,15 +853,15 @@
         </p:nvSpPr>
         <p:spPr>
           <a:xfrm>
-            <a:off x="835099" y="1615545"/>
-            <a:ext cx="10556677" cy="2695572"/>
+            <a:off x="825243" y="1418054"/>
+            <a:ext cx="10432078" cy="2366055"/>
           </a:xfrm>
         </p:spPr>
         <p:txBody>
           <a:bodyPr anchor="b"/>
           <a:lstStyle>
             <a:lvl1pPr>
-              <a:defRPr sz="5669"/>
+              <a:defRPr sz="4976"/>
             </a:lvl1pPr>
           </a:lstStyle>
           <a:p>
@@ -885,8 +885,8 @@
         </p:nvSpPr>
         <p:spPr>
           <a:xfrm>
-            <a:off x="835099" y="4336618"/>
-            <a:ext cx="10556677" cy="1417538"/>
+            <a:off x="825243" y="3806493"/>
+            <a:ext cx="10432078" cy="1244252"/>
           </a:xfrm>
         </p:spPr>
         <p:txBody>
@@ -894,7 +894,7 @@
           <a:lstStyle>
             <a:lvl1pPr marL="0" indent="0">
               <a:buNone/>
-              <a:defRPr sz="2268">
+              <a:defRPr sz="1991">
                 <a:solidFill>
                   <a:schemeClr val="tx1">
                     <a:tint val="75000"/>
@@ -902,9 +902,9 @@
                 </a:solidFill>
               </a:defRPr>
             </a:lvl1pPr>
-            <a:lvl2pPr marL="432008" indent="0">
-              <a:buNone/>
-              <a:defRPr sz="1890">
+            <a:lvl2pPr marL="379202" indent="0">
+              <a:buNone/>
+              <a:defRPr sz="1659">
                 <a:solidFill>
                   <a:schemeClr val="tx1">
                     <a:tint val="75000"/>
@@ -912,9 +912,9 @@
                 </a:solidFill>
               </a:defRPr>
             </a:lvl2pPr>
-            <a:lvl3pPr marL="864017" indent="0">
-              <a:buNone/>
-              <a:defRPr sz="1701">
+            <a:lvl3pPr marL="758403" indent="0">
+              <a:buNone/>
+              <a:defRPr sz="1493">
                 <a:solidFill>
                   <a:schemeClr val="tx1">
                     <a:tint val="75000"/>
@@ -922,9 +922,9 @@
                 </a:solidFill>
               </a:defRPr>
             </a:lvl3pPr>
-            <a:lvl4pPr marL="1296025" indent="0">
-              <a:buNone/>
-              <a:defRPr sz="1512">
+            <a:lvl4pPr marL="1137605" indent="0">
+              <a:buNone/>
+              <a:defRPr sz="1327">
                 <a:solidFill>
                   <a:schemeClr val="tx1">
                     <a:tint val="75000"/>
@@ -932,9 +932,9 @@
                 </a:solidFill>
               </a:defRPr>
             </a:lvl4pPr>
-            <a:lvl5pPr marL="1728033" indent="0">
-              <a:buNone/>
-              <a:defRPr sz="1512">
+            <a:lvl5pPr marL="1516807" indent="0">
+              <a:buNone/>
+              <a:defRPr sz="1327">
                 <a:solidFill>
                   <a:schemeClr val="tx1">
                     <a:tint val="75000"/>
@@ -942,9 +942,9 @@
                 </a:solidFill>
               </a:defRPr>
             </a:lvl5pPr>
-            <a:lvl6pPr marL="2160041" indent="0">
-              <a:buNone/>
-              <a:defRPr sz="1512">
+            <a:lvl6pPr marL="1896008" indent="0">
+              <a:buNone/>
+              <a:defRPr sz="1327">
                 <a:solidFill>
                   <a:schemeClr val="tx1">
                     <a:tint val="75000"/>
@@ -952,9 +952,9 @@
                 </a:solidFill>
               </a:defRPr>
             </a:lvl6pPr>
-            <a:lvl7pPr marL="2592050" indent="0">
-              <a:buNone/>
-              <a:defRPr sz="1512">
+            <a:lvl7pPr marL="2275210" indent="0">
+              <a:buNone/>
+              <a:defRPr sz="1327">
                 <a:solidFill>
                   <a:schemeClr val="tx1">
                     <a:tint val="75000"/>
@@ -962,9 +962,9 @@
                 </a:solidFill>
               </a:defRPr>
             </a:lvl7pPr>
-            <a:lvl8pPr marL="3024058" indent="0">
-              <a:buNone/>
-              <a:defRPr sz="1512">
+            <a:lvl8pPr marL="2654412" indent="0">
+              <a:buNone/>
+              <a:defRPr sz="1327">
                 <a:solidFill>
                   <a:schemeClr val="tx1">
                     <a:tint val="75000"/>
@@ -972,9 +972,9 @@
                 </a:solidFill>
               </a:defRPr>
             </a:lvl8pPr>
-            <a:lvl9pPr marL="3456066" indent="0">
-              <a:buNone/>
-              <a:defRPr sz="1512">
+            <a:lvl9pPr marL="3033613" indent="0">
+              <a:buNone/>
+              <a:defRPr sz="1327">
                 <a:solidFill>
                   <a:schemeClr val="tx1">
                     <a:tint val="75000"/>
@@ -1009,7 +1009,7 @@
           <a:p>
             <a:fld id="{57FF0C53-773C-DD4A-B534-9879AE380A4C}" type="datetimeFigureOut">
               <a:rPr kumimoji="1" lang="zh-CN" altLang="en-US" smtClean="0"/>
-              <a:t>2022/10/21</a:t>
+              <a:t>2022/10/25</a:t>
             </a:fld>
             <a:endParaRPr kumimoji="1" lang="zh-CN" altLang="en-US"/>
           </a:p>
@@ -1060,7 +1060,7 @@
     </p:spTree>
     <p:extLst>
       <p:ext uri="{BB962C8B-B14F-4D97-AF65-F5344CB8AC3E}">
-        <p14:creationId xmlns:p14="http://schemas.microsoft.com/office/powerpoint/2010/main" val="725023521"/>
+        <p14:creationId xmlns:p14="http://schemas.microsoft.com/office/powerpoint/2010/main" val="2059598693"/>
       </p:ext>
     </p:extLst>
   </p:cSld>
@@ -1122,8 +1122,8 @@
         </p:nvSpPr>
         <p:spPr>
           <a:xfrm>
-            <a:off x="841474" y="1725046"/>
-            <a:ext cx="5201841" cy="4111612"/>
+            <a:off x="831543" y="1514170"/>
+            <a:ext cx="5140444" cy="3608992"/>
           </a:xfrm>
         </p:spPr>
         <p:txBody>
@@ -1179,8 +1179,8 @@
         </p:nvSpPr>
         <p:spPr>
           <a:xfrm>
-            <a:off x="6196310" y="1725046"/>
-            <a:ext cx="5201841" cy="4111612"/>
+            <a:off x="6123176" y="1514170"/>
+            <a:ext cx="5140444" cy="3608992"/>
           </a:xfrm>
         </p:spPr>
         <p:txBody>
@@ -1241,7 +1241,7 @@
           <a:p>
             <a:fld id="{57FF0C53-773C-DD4A-B534-9879AE380A4C}" type="datetimeFigureOut">
               <a:rPr kumimoji="1" lang="zh-CN" altLang="en-US" smtClean="0"/>
-              <a:t>2022/10/21</a:t>
+              <a:t>2022/10/25</a:t>
             </a:fld>
             <a:endParaRPr kumimoji="1" lang="zh-CN" altLang="en-US"/>
           </a:p>
@@ -1292,7 +1292,7 @@
     </p:spTree>
     <p:extLst>
       <p:ext uri="{BB962C8B-B14F-4D97-AF65-F5344CB8AC3E}">
-        <p14:creationId xmlns:p14="http://schemas.microsoft.com/office/powerpoint/2010/main" val="4118334180"/>
+        <p14:creationId xmlns:p14="http://schemas.microsoft.com/office/powerpoint/2010/main" val="1663460254"/>
       </p:ext>
     </p:extLst>
   </p:cSld>
@@ -1331,8 +1331,8 @@
         </p:nvSpPr>
         <p:spPr>
           <a:xfrm>
-            <a:off x="843068" y="345010"/>
-            <a:ext cx="10556677" cy="1252534"/>
+            <a:off x="833118" y="302834"/>
+            <a:ext cx="10432078" cy="1099420"/>
           </a:xfrm>
         </p:spPr>
         <p:txBody>
@@ -1359,8 +1359,8 @@
         </p:nvSpPr>
         <p:spPr>
           <a:xfrm>
-            <a:off x="843069" y="1588543"/>
-            <a:ext cx="5177935" cy="778521"/>
+            <a:off x="833119" y="1394354"/>
+            <a:ext cx="5116820" cy="683351"/>
           </a:xfrm>
         </p:spPr>
         <p:txBody>
@@ -1368,39 +1368,39 @@
           <a:lstStyle>
             <a:lvl1pPr marL="0" indent="0">
               <a:buNone/>
-              <a:defRPr sz="2268" b="1"/>
+              <a:defRPr sz="1991" b="1"/>
             </a:lvl1pPr>
-            <a:lvl2pPr marL="432008" indent="0">
-              <a:buNone/>
-              <a:defRPr sz="1890" b="1"/>
+            <a:lvl2pPr marL="379202" indent="0">
+              <a:buNone/>
+              <a:defRPr sz="1659" b="1"/>
             </a:lvl2pPr>
-            <a:lvl3pPr marL="864017" indent="0">
-              <a:buNone/>
-              <a:defRPr sz="1701" b="1"/>
+            <a:lvl3pPr marL="758403" indent="0">
+              <a:buNone/>
+              <a:defRPr sz="1493" b="1"/>
             </a:lvl3pPr>
-            <a:lvl4pPr marL="1296025" indent="0">
-              <a:buNone/>
-              <a:defRPr sz="1512" b="1"/>
+            <a:lvl4pPr marL="1137605" indent="0">
+              <a:buNone/>
+              <a:defRPr sz="1327" b="1"/>
             </a:lvl4pPr>
-            <a:lvl5pPr marL="1728033" indent="0">
-              <a:buNone/>
-              <a:defRPr sz="1512" b="1"/>
+            <a:lvl5pPr marL="1516807" indent="0">
+              <a:buNone/>
+              <a:defRPr sz="1327" b="1"/>
             </a:lvl5pPr>
-            <a:lvl6pPr marL="2160041" indent="0">
-              <a:buNone/>
-              <a:defRPr sz="1512" b="1"/>
+            <a:lvl6pPr marL="1896008" indent="0">
+              <a:buNone/>
+              <a:defRPr sz="1327" b="1"/>
             </a:lvl6pPr>
-            <a:lvl7pPr marL="2592050" indent="0">
-              <a:buNone/>
-              <a:defRPr sz="1512" b="1"/>
+            <a:lvl7pPr marL="2275210" indent="0">
+              <a:buNone/>
+              <a:defRPr sz="1327" b="1"/>
             </a:lvl7pPr>
-            <a:lvl8pPr marL="3024058" indent="0">
-              <a:buNone/>
-              <a:defRPr sz="1512" b="1"/>
+            <a:lvl8pPr marL="2654412" indent="0">
+              <a:buNone/>
+              <a:defRPr sz="1327" b="1"/>
             </a:lvl8pPr>
-            <a:lvl9pPr marL="3456066" indent="0">
-              <a:buNone/>
-              <a:defRPr sz="1512" b="1"/>
+            <a:lvl9pPr marL="3033613" indent="0">
+              <a:buNone/>
+              <a:defRPr sz="1327" b="1"/>
             </a:lvl9pPr>
           </a:lstStyle>
           <a:p>
@@ -1424,8 +1424,8 @@
         </p:nvSpPr>
         <p:spPr>
           <a:xfrm>
-            <a:off x="843069" y="2367064"/>
-            <a:ext cx="5177935" cy="3481594"/>
+            <a:off x="833119" y="2077705"/>
+            <a:ext cx="5116820" cy="3055991"/>
           </a:xfrm>
         </p:spPr>
         <p:txBody>
@@ -1481,8 +1481,8 @@
         </p:nvSpPr>
         <p:spPr>
           <a:xfrm>
-            <a:off x="6196310" y="1588543"/>
-            <a:ext cx="5203435" cy="778521"/>
+            <a:off x="6123176" y="1394354"/>
+            <a:ext cx="5142020" cy="683351"/>
           </a:xfrm>
         </p:spPr>
         <p:txBody>
@@ -1490,39 +1490,39 @@
           <a:lstStyle>
             <a:lvl1pPr marL="0" indent="0">
               <a:buNone/>
-              <a:defRPr sz="2268" b="1"/>
+              <a:defRPr sz="1991" b="1"/>
             </a:lvl1pPr>
-            <a:lvl2pPr marL="432008" indent="0">
-              <a:buNone/>
-              <a:defRPr sz="1890" b="1"/>
+            <a:lvl2pPr marL="379202" indent="0">
+              <a:buNone/>
+              <a:defRPr sz="1659" b="1"/>
             </a:lvl2pPr>
-            <a:lvl3pPr marL="864017" indent="0">
-              <a:buNone/>
-              <a:defRPr sz="1701" b="1"/>
+            <a:lvl3pPr marL="758403" indent="0">
+              <a:buNone/>
+              <a:defRPr sz="1493" b="1"/>
             </a:lvl3pPr>
-            <a:lvl4pPr marL="1296025" indent="0">
-              <a:buNone/>
-              <a:defRPr sz="1512" b="1"/>
+            <a:lvl4pPr marL="1137605" indent="0">
+              <a:buNone/>
+              <a:defRPr sz="1327" b="1"/>
             </a:lvl4pPr>
-            <a:lvl5pPr marL="1728033" indent="0">
-              <a:buNone/>
-              <a:defRPr sz="1512" b="1"/>
+            <a:lvl5pPr marL="1516807" indent="0">
+              <a:buNone/>
+              <a:defRPr sz="1327" b="1"/>
             </a:lvl5pPr>
-            <a:lvl6pPr marL="2160041" indent="0">
-              <a:buNone/>
-              <a:defRPr sz="1512" b="1"/>
+            <a:lvl6pPr marL="1896008" indent="0">
+              <a:buNone/>
+              <a:defRPr sz="1327" b="1"/>
             </a:lvl6pPr>
-            <a:lvl7pPr marL="2592050" indent="0">
-              <a:buNone/>
-              <a:defRPr sz="1512" b="1"/>
+            <a:lvl7pPr marL="2275210" indent="0">
+              <a:buNone/>
+              <a:defRPr sz="1327" b="1"/>
             </a:lvl7pPr>
-            <a:lvl8pPr marL="3024058" indent="0">
-              <a:buNone/>
-              <a:defRPr sz="1512" b="1"/>
+            <a:lvl8pPr marL="2654412" indent="0">
+              <a:buNone/>
+              <a:defRPr sz="1327" b="1"/>
             </a:lvl8pPr>
-            <a:lvl9pPr marL="3456066" indent="0">
-              <a:buNone/>
-              <a:defRPr sz="1512" b="1"/>
+            <a:lvl9pPr marL="3033613" indent="0">
+              <a:buNone/>
+              <a:defRPr sz="1327" b="1"/>
             </a:lvl9pPr>
           </a:lstStyle>
           <a:p>
@@ -1546,8 +1546,8 @@
         </p:nvSpPr>
         <p:spPr>
           <a:xfrm>
-            <a:off x="6196310" y="2367064"/>
-            <a:ext cx="5203435" cy="3481594"/>
+            <a:off x="6123176" y="2077705"/>
+            <a:ext cx="5142020" cy="3055991"/>
           </a:xfrm>
         </p:spPr>
         <p:txBody>
@@ -1608,7 +1608,7 @@
           <a:p>
             <a:fld id="{57FF0C53-773C-DD4A-B534-9879AE380A4C}" type="datetimeFigureOut">
               <a:rPr kumimoji="1" lang="zh-CN" altLang="en-US" smtClean="0"/>
-              <a:t>2022/10/21</a:t>
+              <a:t>2022/10/25</a:t>
             </a:fld>
             <a:endParaRPr kumimoji="1" lang="zh-CN" altLang="en-US"/>
           </a:p>
@@ -1659,7 +1659,7 @@
     </p:spTree>
     <p:extLst>
       <p:ext uri="{BB962C8B-B14F-4D97-AF65-F5344CB8AC3E}">
-        <p14:creationId xmlns:p14="http://schemas.microsoft.com/office/powerpoint/2010/main" val="2397680771"/>
+        <p14:creationId xmlns:p14="http://schemas.microsoft.com/office/powerpoint/2010/main" val="324387717"/>
       </p:ext>
     </p:extLst>
   </p:cSld>
@@ -1726,7 +1726,7 @@
           <a:p>
             <a:fld id="{57FF0C53-773C-DD4A-B534-9879AE380A4C}" type="datetimeFigureOut">
               <a:rPr kumimoji="1" lang="zh-CN" altLang="en-US" smtClean="0"/>
-              <a:t>2022/10/21</a:t>
+              <a:t>2022/10/25</a:t>
             </a:fld>
             <a:endParaRPr kumimoji="1" lang="zh-CN" altLang="en-US"/>
           </a:p>
@@ -1777,7 +1777,7 @@
     </p:spTree>
     <p:extLst>
       <p:ext uri="{BB962C8B-B14F-4D97-AF65-F5344CB8AC3E}">
-        <p14:creationId xmlns:p14="http://schemas.microsoft.com/office/powerpoint/2010/main" val="2144268298"/>
+        <p14:creationId xmlns:p14="http://schemas.microsoft.com/office/powerpoint/2010/main" val="2780971952"/>
       </p:ext>
     </p:extLst>
   </p:cSld>
@@ -1821,7 +1821,7 @@
           <a:p>
             <a:fld id="{57FF0C53-773C-DD4A-B534-9879AE380A4C}" type="datetimeFigureOut">
               <a:rPr kumimoji="1" lang="zh-CN" altLang="en-US" smtClean="0"/>
-              <a:t>2022/10/21</a:t>
+              <a:t>2022/10/25</a:t>
             </a:fld>
             <a:endParaRPr kumimoji="1" lang="zh-CN" altLang="en-US"/>
           </a:p>
@@ -1872,7 +1872,7 @@
     </p:spTree>
     <p:extLst>
       <p:ext uri="{BB962C8B-B14F-4D97-AF65-F5344CB8AC3E}">
-        <p14:creationId xmlns:p14="http://schemas.microsoft.com/office/powerpoint/2010/main" val="3988515925"/>
+        <p14:creationId xmlns:p14="http://schemas.microsoft.com/office/powerpoint/2010/main" val="1218022416"/>
       </p:ext>
     </p:extLst>
   </p:cSld>
@@ -1911,15 +1911,15 @@
         </p:nvSpPr>
         <p:spPr>
           <a:xfrm>
-            <a:off x="843069" y="432012"/>
-            <a:ext cx="3947597" cy="1512041"/>
+            <a:off x="833118" y="379201"/>
+            <a:ext cx="3901005" cy="1327203"/>
           </a:xfrm>
         </p:spPr>
         <p:txBody>
           <a:bodyPr anchor="b"/>
           <a:lstStyle>
             <a:lvl1pPr>
-              <a:defRPr sz="3024"/>
+              <a:defRPr sz="2654"/>
             </a:lvl1pPr>
           </a:lstStyle>
           <a:p>
@@ -1943,39 +1943,39 @@
         </p:nvSpPr>
         <p:spPr>
           <a:xfrm>
-            <a:off x="5203435" y="933026"/>
-            <a:ext cx="6196310" cy="4605124"/>
+            <a:off x="5142020" y="818969"/>
+            <a:ext cx="6123176" cy="4042176"/>
           </a:xfrm>
         </p:spPr>
         <p:txBody>
           <a:bodyPr/>
           <a:lstStyle>
             <a:lvl1pPr>
-              <a:defRPr sz="3024"/>
+              <a:defRPr sz="2654"/>
             </a:lvl1pPr>
             <a:lvl2pPr>
-              <a:defRPr sz="2646"/>
+              <a:defRPr sz="2322"/>
             </a:lvl2pPr>
             <a:lvl3pPr>
-              <a:defRPr sz="2268"/>
+              <a:defRPr sz="1991"/>
             </a:lvl3pPr>
             <a:lvl4pPr>
-              <a:defRPr sz="1890"/>
+              <a:defRPr sz="1659"/>
             </a:lvl4pPr>
             <a:lvl5pPr>
-              <a:defRPr sz="1890"/>
+              <a:defRPr sz="1659"/>
             </a:lvl5pPr>
             <a:lvl6pPr>
-              <a:defRPr sz="1890"/>
+              <a:defRPr sz="1659"/>
             </a:lvl6pPr>
             <a:lvl7pPr>
-              <a:defRPr sz="1890"/>
+              <a:defRPr sz="1659"/>
             </a:lvl7pPr>
             <a:lvl8pPr>
-              <a:defRPr sz="1890"/>
+              <a:defRPr sz="1659"/>
             </a:lvl8pPr>
             <a:lvl9pPr>
-              <a:defRPr sz="1890"/>
+              <a:defRPr sz="1659"/>
             </a:lvl9pPr>
           </a:lstStyle>
           <a:p>
@@ -2028,8 +2028,8 @@
         </p:nvSpPr>
         <p:spPr>
           <a:xfrm>
-            <a:off x="843069" y="1944052"/>
-            <a:ext cx="3947597" cy="3601598"/>
+            <a:off x="833118" y="1706404"/>
+            <a:ext cx="3901005" cy="3161324"/>
           </a:xfrm>
         </p:spPr>
         <p:txBody>
@@ -2037,39 +2037,39 @@
           <a:lstStyle>
             <a:lvl1pPr marL="0" indent="0">
               <a:buNone/>
-              <a:defRPr sz="1512"/>
+              <a:defRPr sz="1327"/>
             </a:lvl1pPr>
-            <a:lvl2pPr marL="432008" indent="0">
-              <a:buNone/>
-              <a:defRPr sz="1323"/>
+            <a:lvl2pPr marL="379202" indent="0">
+              <a:buNone/>
+              <a:defRPr sz="1161"/>
             </a:lvl2pPr>
-            <a:lvl3pPr marL="864017" indent="0">
-              <a:buNone/>
-              <a:defRPr sz="1134"/>
+            <a:lvl3pPr marL="758403" indent="0">
+              <a:buNone/>
+              <a:defRPr sz="995"/>
             </a:lvl3pPr>
-            <a:lvl4pPr marL="1296025" indent="0">
-              <a:buNone/>
-              <a:defRPr sz="945"/>
+            <a:lvl4pPr marL="1137605" indent="0">
+              <a:buNone/>
+              <a:defRPr sz="829"/>
             </a:lvl4pPr>
-            <a:lvl5pPr marL="1728033" indent="0">
-              <a:buNone/>
-              <a:defRPr sz="945"/>
+            <a:lvl5pPr marL="1516807" indent="0">
+              <a:buNone/>
+              <a:defRPr sz="829"/>
             </a:lvl5pPr>
-            <a:lvl6pPr marL="2160041" indent="0">
-              <a:buNone/>
-              <a:defRPr sz="945"/>
+            <a:lvl6pPr marL="1896008" indent="0">
+              <a:buNone/>
+              <a:defRPr sz="829"/>
             </a:lvl6pPr>
-            <a:lvl7pPr marL="2592050" indent="0">
-              <a:buNone/>
-              <a:defRPr sz="945"/>
+            <a:lvl7pPr marL="2275210" indent="0">
+              <a:buNone/>
+              <a:defRPr sz="829"/>
             </a:lvl7pPr>
-            <a:lvl8pPr marL="3024058" indent="0">
-              <a:buNone/>
-              <a:defRPr sz="945"/>
+            <a:lvl8pPr marL="2654412" indent="0">
+              <a:buNone/>
+              <a:defRPr sz="829"/>
             </a:lvl8pPr>
-            <a:lvl9pPr marL="3456066" indent="0">
-              <a:buNone/>
-              <a:defRPr sz="945"/>
+            <a:lvl9pPr marL="3033613" indent="0">
+              <a:buNone/>
+              <a:defRPr sz="829"/>
             </a:lvl9pPr>
           </a:lstStyle>
           <a:p>
@@ -2098,7 +2098,7 @@
           <a:p>
             <a:fld id="{57FF0C53-773C-DD4A-B534-9879AE380A4C}" type="datetimeFigureOut">
               <a:rPr kumimoji="1" lang="zh-CN" altLang="en-US" smtClean="0"/>
-              <a:t>2022/10/21</a:t>
+              <a:t>2022/10/25</a:t>
             </a:fld>
             <a:endParaRPr kumimoji="1" lang="zh-CN" altLang="en-US"/>
           </a:p>
@@ -2149,7 +2149,7 @@
     </p:spTree>
     <p:extLst>
       <p:ext uri="{BB962C8B-B14F-4D97-AF65-F5344CB8AC3E}">
-        <p14:creationId xmlns:p14="http://schemas.microsoft.com/office/powerpoint/2010/main" val="2848471188"/>
+        <p14:creationId xmlns:p14="http://schemas.microsoft.com/office/powerpoint/2010/main" val="1852606252"/>
       </p:ext>
     </p:extLst>
   </p:cSld>
@@ -2188,15 +2188,15 @@
         </p:nvSpPr>
         <p:spPr>
           <a:xfrm>
-            <a:off x="843069" y="432012"/>
-            <a:ext cx="3947597" cy="1512041"/>
+            <a:off x="833118" y="379201"/>
+            <a:ext cx="3901005" cy="1327203"/>
           </a:xfrm>
         </p:spPr>
         <p:txBody>
           <a:bodyPr anchor="b"/>
           <a:lstStyle>
             <a:lvl1pPr>
-              <a:defRPr sz="3024"/>
+              <a:defRPr sz="2654"/>
             </a:lvl1pPr>
           </a:lstStyle>
           <a:p>
@@ -2220,8 +2220,8 @@
         </p:nvSpPr>
         <p:spPr>
           <a:xfrm>
-            <a:off x="5203435" y="933026"/>
-            <a:ext cx="6196310" cy="4605124"/>
+            <a:off x="5142020" y="818969"/>
+            <a:ext cx="6123176" cy="4042176"/>
           </a:xfrm>
         </p:spPr>
         <p:txBody>
@@ -2229,39 +2229,39 @@
           <a:lstStyle>
             <a:lvl1pPr marL="0" indent="0">
               <a:buNone/>
-              <a:defRPr sz="3024"/>
+              <a:defRPr sz="2654"/>
             </a:lvl1pPr>
-            <a:lvl2pPr marL="432008" indent="0">
-              <a:buNone/>
-              <a:defRPr sz="2646"/>
+            <a:lvl2pPr marL="379202" indent="0">
+              <a:buNone/>
+              <a:defRPr sz="2322"/>
             </a:lvl2pPr>
-            <a:lvl3pPr marL="864017" indent="0">
-              <a:buNone/>
-              <a:defRPr sz="2268"/>
+            <a:lvl3pPr marL="758403" indent="0">
+              <a:buNone/>
+              <a:defRPr sz="1991"/>
             </a:lvl3pPr>
-            <a:lvl4pPr marL="1296025" indent="0">
-              <a:buNone/>
-              <a:defRPr sz="1890"/>
+            <a:lvl4pPr marL="1137605" indent="0">
+              <a:buNone/>
+              <a:defRPr sz="1659"/>
             </a:lvl4pPr>
-            <a:lvl5pPr marL="1728033" indent="0">
-              <a:buNone/>
-              <a:defRPr sz="1890"/>
+            <a:lvl5pPr marL="1516807" indent="0">
+              <a:buNone/>
+              <a:defRPr sz="1659"/>
             </a:lvl5pPr>
-            <a:lvl6pPr marL="2160041" indent="0">
-              <a:buNone/>
-              <a:defRPr sz="1890"/>
+            <a:lvl6pPr marL="1896008" indent="0">
+              <a:buNone/>
+              <a:defRPr sz="1659"/>
             </a:lvl6pPr>
-            <a:lvl7pPr marL="2592050" indent="0">
-              <a:buNone/>
-              <a:defRPr sz="1890"/>
+            <a:lvl7pPr marL="2275210" indent="0">
+              <a:buNone/>
+              <a:defRPr sz="1659"/>
             </a:lvl7pPr>
-            <a:lvl8pPr marL="3024058" indent="0">
-              <a:buNone/>
-              <a:defRPr sz="1890"/>
+            <a:lvl8pPr marL="2654412" indent="0">
+              <a:buNone/>
+              <a:defRPr sz="1659"/>
             </a:lvl8pPr>
-            <a:lvl9pPr marL="3456066" indent="0">
-              <a:buNone/>
-              <a:defRPr sz="1890"/>
+            <a:lvl9pPr marL="3033613" indent="0">
+              <a:buNone/>
+              <a:defRPr sz="1659"/>
             </a:lvl9pPr>
           </a:lstStyle>
           <a:p>
@@ -2285,8 +2285,8 @@
         </p:nvSpPr>
         <p:spPr>
           <a:xfrm>
-            <a:off x="843069" y="1944052"/>
-            <a:ext cx="3947597" cy="3601598"/>
+            <a:off x="833118" y="1706404"/>
+            <a:ext cx="3901005" cy="3161324"/>
           </a:xfrm>
         </p:spPr>
         <p:txBody>
@@ -2294,39 +2294,39 @@
           <a:lstStyle>
             <a:lvl1pPr marL="0" indent="0">
               <a:buNone/>
-              <a:defRPr sz="1512"/>
+              <a:defRPr sz="1327"/>
             </a:lvl1pPr>
-            <a:lvl2pPr marL="432008" indent="0">
-              <a:buNone/>
-              <a:defRPr sz="1323"/>
+            <a:lvl2pPr marL="379202" indent="0">
+              <a:buNone/>
+              <a:defRPr sz="1161"/>
             </a:lvl2pPr>
-            <a:lvl3pPr marL="864017" indent="0">
-              <a:buNone/>
-              <a:defRPr sz="1134"/>
+            <a:lvl3pPr marL="758403" indent="0">
+              <a:buNone/>
+              <a:defRPr sz="995"/>
             </a:lvl3pPr>
-            <a:lvl4pPr marL="1296025" indent="0">
-              <a:buNone/>
-              <a:defRPr sz="945"/>
+            <a:lvl4pPr marL="1137605" indent="0">
+              <a:buNone/>
+              <a:defRPr sz="829"/>
             </a:lvl4pPr>
-            <a:lvl5pPr marL="1728033" indent="0">
-              <a:buNone/>
-              <a:defRPr sz="945"/>
+            <a:lvl5pPr marL="1516807" indent="0">
+              <a:buNone/>
+              <a:defRPr sz="829"/>
             </a:lvl5pPr>
-            <a:lvl6pPr marL="2160041" indent="0">
-              <a:buNone/>
-              <a:defRPr sz="945"/>
+            <a:lvl6pPr marL="1896008" indent="0">
+              <a:buNone/>
+              <a:defRPr sz="829"/>
             </a:lvl6pPr>
-            <a:lvl7pPr marL="2592050" indent="0">
-              <a:buNone/>
-              <a:defRPr sz="945"/>
+            <a:lvl7pPr marL="2275210" indent="0">
+              <a:buNone/>
+              <a:defRPr sz="829"/>
             </a:lvl7pPr>
-            <a:lvl8pPr marL="3024058" indent="0">
-              <a:buNone/>
-              <a:defRPr sz="945"/>
+            <a:lvl8pPr marL="2654412" indent="0">
+              <a:buNone/>
+              <a:defRPr sz="829"/>
             </a:lvl8pPr>
-            <a:lvl9pPr marL="3456066" indent="0">
-              <a:buNone/>
-              <a:defRPr sz="945"/>
+            <a:lvl9pPr marL="3033613" indent="0">
+              <a:buNone/>
+              <a:defRPr sz="829"/>
             </a:lvl9pPr>
           </a:lstStyle>
           <a:p>
@@ -2355,7 +2355,7 @@
           <a:p>
             <a:fld id="{57FF0C53-773C-DD4A-B534-9879AE380A4C}" type="datetimeFigureOut">
               <a:rPr kumimoji="1" lang="zh-CN" altLang="en-US" smtClean="0"/>
-              <a:t>2022/10/21</a:t>
+              <a:t>2022/10/25</a:t>
             </a:fld>
             <a:endParaRPr kumimoji="1" lang="zh-CN" altLang="en-US"/>
           </a:p>
@@ -2406,7 +2406,7 @@
     </p:spTree>
     <p:extLst>
       <p:ext uri="{BB962C8B-B14F-4D97-AF65-F5344CB8AC3E}">
-        <p14:creationId xmlns:p14="http://schemas.microsoft.com/office/powerpoint/2010/main" val="2485362918"/>
+        <p14:creationId xmlns:p14="http://schemas.microsoft.com/office/powerpoint/2010/main" val="1619159719"/>
       </p:ext>
     </p:extLst>
   </p:cSld>
@@ -2450,8 +2450,8 @@
         </p:nvSpPr>
         <p:spPr>
           <a:xfrm>
-            <a:off x="841474" y="345010"/>
-            <a:ext cx="10556677" cy="1252534"/>
+            <a:off x="831543" y="302834"/>
+            <a:ext cx="10432078" cy="1099420"/>
           </a:xfrm>
           <a:prstGeom prst="rect">
             <a:avLst/>
@@ -2483,8 +2483,8 @@
         </p:nvSpPr>
         <p:spPr>
           <a:xfrm>
-            <a:off x="841474" y="1725046"/>
-            <a:ext cx="10556677" cy="4111612"/>
+            <a:off x="831543" y="1514170"/>
+            <a:ext cx="10432078" cy="3608992"/>
           </a:xfrm>
           <a:prstGeom prst="rect">
             <a:avLst/>
@@ -2545,8 +2545,8 @@
         </p:nvSpPr>
         <p:spPr>
           <a:xfrm>
-            <a:off x="841474" y="6006163"/>
-            <a:ext cx="2753916" cy="345009"/>
+            <a:off x="831542" y="5271946"/>
+            <a:ext cx="2721412" cy="302834"/>
           </a:xfrm>
           <a:prstGeom prst="rect">
             <a:avLst/>
@@ -2556,7 +2556,7 @@
           <a:bodyPr vert="horz" lIns="91440" tIns="45720" rIns="91440" bIns="45720" rtlCol="0" anchor="ctr"/>
           <a:lstStyle>
             <a:lvl1pPr algn="l">
-              <a:defRPr sz="1134">
+              <a:defRPr sz="995">
                 <a:solidFill>
                   <a:schemeClr val="tx1">
                     <a:tint val="75000"/>
@@ -2568,7 +2568,7 @@
           <a:p>
             <a:fld id="{57FF0C53-773C-DD4A-B534-9879AE380A4C}" type="datetimeFigureOut">
               <a:rPr kumimoji="1" lang="zh-CN" altLang="en-US" smtClean="0"/>
-              <a:t>2022/10/21</a:t>
+              <a:t>2022/10/25</a:t>
             </a:fld>
             <a:endParaRPr kumimoji="1" lang="zh-CN" altLang="en-US"/>
           </a:p>
@@ -2586,8 +2586,8 @@
         </p:nvSpPr>
         <p:spPr>
           <a:xfrm>
-            <a:off x="4054376" y="6006163"/>
-            <a:ext cx="4130873" cy="345009"/>
+            <a:off x="4006523" y="5271946"/>
+            <a:ext cx="4082118" cy="302834"/>
           </a:xfrm>
           <a:prstGeom prst="rect">
             <a:avLst/>
@@ -2597,7 +2597,7 @@
           <a:bodyPr vert="horz" lIns="91440" tIns="45720" rIns="91440" bIns="45720" rtlCol="0" anchor="ctr"/>
           <a:lstStyle>
             <a:lvl1pPr algn="ctr">
-              <a:defRPr sz="1134">
+              <a:defRPr sz="995">
                 <a:solidFill>
                   <a:schemeClr val="tx1">
                     <a:tint val="75000"/>
@@ -2623,8 +2623,8 @@
         </p:nvSpPr>
         <p:spPr>
           <a:xfrm>
-            <a:off x="8644235" y="6006163"/>
-            <a:ext cx="2753916" cy="345009"/>
+            <a:off x="8542209" y="5271946"/>
+            <a:ext cx="2721412" cy="302834"/>
           </a:xfrm>
           <a:prstGeom prst="rect">
             <a:avLst/>
@@ -2634,7 +2634,7 @@
           <a:bodyPr vert="horz" lIns="91440" tIns="45720" rIns="91440" bIns="45720" rtlCol="0" anchor="ctr"/>
           <a:lstStyle>
             <a:lvl1pPr algn="r">
-              <a:defRPr sz="1134">
+              <a:defRPr sz="995">
                 <a:solidFill>
                   <a:schemeClr val="tx1">
                     <a:tint val="75000"/>
@@ -2655,27 +2655,27 @@
     </p:spTree>
     <p:extLst>
       <p:ext uri="{BB962C8B-B14F-4D97-AF65-F5344CB8AC3E}">
-        <p14:creationId xmlns:p14="http://schemas.microsoft.com/office/powerpoint/2010/main" val="3053499557"/>
+        <p14:creationId xmlns:p14="http://schemas.microsoft.com/office/powerpoint/2010/main" val="1515886734"/>
       </p:ext>
     </p:extLst>
   </p:cSld>
   <p:clrMap bg1="lt1" tx1="dk1" bg2="lt2" tx2="dk2" accent1="accent1" accent2="accent2" accent3="accent3" accent4="accent4" accent5="accent5" accent6="accent6" hlink="hlink" folHlink="folHlink"/>
   <p:sldLayoutIdLst>
-    <p:sldLayoutId id="2147483685" r:id="rId1"/>
-    <p:sldLayoutId id="2147483686" r:id="rId2"/>
-    <p:sldLayoutId id="2147483687" r:id="rId3"/>
-    <p:sldLayoutId id="2147483688" r:id="rId4"/>
-    <p:sldLayoutId id="2147483689" r:id="rId5"/>
-    <p:sldLayoutId id="2147483690" r:id="rId6"/>
-    <p:sldLayoutId id="2147483691" r:id="rId7"/>
-    <p:sldLayoutId id="2147483692" r:id="rId8"/>
-    <p:sldLayoutId id="2147483693" r:id="rId9"/>
-    <p:sldLayoutId id="2147483694" r:id="rId10"/>
-    <p:sldLayoutId id="2147483695" r:id="rId11"/>
+    <p:sldLayoutId id="2147483721" r:id="rId1"/>
+    <p:sldLayoutId id="2147483722" r:id="rId2"/>
+    <p:sldLayoutId id="2147483723" r:id="rId3"/>
+    <p:sldLayoutId id="2147483724" r:id="rId4"/>
+    <p:sldLayoutId id="2147483725" r:id="rId5"/>
+    <p:sldLayoutId id="2147483726" r:id="rId6"/>
+    <p:sldLayoutId id="2147483727" r:id="rId7"/>
+    <p:sldLayoutId id="2147483728" r:id="rId8"/>
+    <p:sldLayoutId id="2147483729" r:id="rId9"/>
+    <p:sldLayoutId id="2147483730" r:id="rId10"/>
+    <p:sldLayoutId id="2147483731" r:id="rId11"/>
   </p:sldLayoutIdLst>
   <p:txStyles>
     <p:titleStyle>
-      <a:lvl1pPr algn="l" defTabSz="864017" rtl="0" eaLnBrk="1" latinLnBrk="0" hangingPunct="1">
+      <a:lvl1pPr algn="l" defTabSz="758403" rtl="0" eaLnBrk="1" latinLnBrk="0" hangingPunct="1">
         <a:lnSpc>
           <a:spcPct val="90000"/>
         </a:lnSpc>
@@ -2683,7 +2683,7 @@
           <a:spcPct val="0"/>
         </a:spcBef>
         <a:buNone/>
-        <a:defRPr sz="4158" kern="1200">
+        <a:defRPr sz="3649" kern="1200">
           <a:solidFill>
             <a:schemeClr val="tx1"/>
           </a:solidFill>
@@ -2694,16 +2694,16 @@
       </a:lvl1pPr>
     </p:titleStyle>
     <p:bodyStyle>
-      <a:lvl1pPr marL="216004" indent="-216004" algn="l" defTabSz="864017" rtl="0" eaLnBrk="1" latinLnBrk="0" hangingPunct="1">
+      <a:lvl1pPr marL="189601" indent="-189601" algn="l" defTabSz="758403" rtl="0" eaLnBrk="1" latinLnBrk="0" hangingPunct="1">
         <a:lnSpc>
           <a:spcPct val="90000"/>
         </a:lnSpc>
         <a:spcBef>
-          <a:spcPts val="945"/>
+          <a:spcPts val="829"/>
         </a:spcBef>
         <a:buFont typeface="Arial" panose="020B0604020202020204" pitchFamily="34" charset="0"/>
         <a:buChar char="•"/>
-        <a:defRPr sz="2646" kern="1200">
+        <a:defRPr sz="2322" kern="1200">
           <a:solidFill>
             <a:schemeClr val="tx1"/>
           </a:solidFill>
@@ -2712,16 +2712,16 @@
           <a:cs typeface="+mn-cs"/>
         </a:defRPr>
       </a:lvl1pPr>
-      <a:lvl2pPr marL="648012" indent="-216004" algn="l" defTabSz="864017" rtl="0" eaLnBrk="1" latinLnBrk="0" hangingPunct="1">
+      <a:lvl2pPr marL="568803" indent="-189601" algn="l" defTabSz="758403" rtl="0" eaLnBrk="1" latinLnBrk="0" hangingPunct="1">
         <a:lnSpc>
           <a:spcPct val="90000"/>
         </a:lnSpc>
         <a:spcBef>
-          <a:spcPts val="472"/>
+          <a:spcPts val="415"/>
         </a:spcBef>
         <a:buFont typeface="Arial" panose="020B0604020202020204" pitchFamily="34" charset="0"/>
         <a:buChar char="•"/>
-        <a:defRPr sz="2268" kern="1200">
+        <a:defRPr sz="1991" kern="1200">
           <a:solidFill>
             <a:schemeClr val="tx1"/>
           </a:solidFill>
@@ -2730,16 +2730,16 @@
           <a:cs typeface="+mn-cs"/>
         </a:defRPr>
       </a:lvl2pPr>
-      <a:lvl3pPr marL="1080021" indent="-216004" algn="l" defTabSz="864017" rtl="0" eaLnBrk="1" latinLnBrk="0" hangingPunct="1">
+      <a:lvl3pPr marL="948004" indent="-189601" algn="l" defTabSz="758403" rtl="0" eaLnBrk="1" latinLnBrk="0" hangingPunct="1">
         <a:lnSpc>
           <a:spcPct val="90000"/>
         </a:lnSpc>
         <a:spcBef>
-          <a:spcPts val="472"/>
+          <a:spcPts val="415"/>
         </a:spcBef>
         <a:buFont typeface="Arial" panose="020B0604020202020204" pitchFamily="34" charset="0"/>
         <a:buChar char="•"/>
-        <a:defRPr sz="1890" kern="1200">
+        <a:defRPr sz="1659" kern="1200">
           <a:solidFill>
             <a:schemeClr val="tx1"/>
           </a:solidFill>
@@ -2748,16 +2748,16 @@
           <a:cs typeface="+mn-cs"/>
         </a:defRPr>
       </a:lvl3pPr>
-      <a:lvl4pPr marL="1512029" indent="-216004" algn="l" defTabSz="864017" rtl="0" eaLnBrk="1" latinLnBrk="0" hangingPunct="1">
+      <a:lvl4pPr marL="1327206" indent="-189601" algn="l" defTabSz="758403" rtl="0" eaLnBrk="1" latinLnBrk="0" hangingPunct="1">
         <a:lnSpc>
           <a:spcPct val="90000"/>
         </a:lnSpc>
         <a:spcBef>
-          <a:spcPts val="472"/>
+          <a:spcPts val="415"/>
         </a:spcBef>
         <a:buFont typeface="Arial" panose="020B0604020202020204" pitchFamily="34" charset="0"/>
         <a:buChar char="•"/>
-        <a:defRPr sz="1701" kern="1200">
+        <a:defRPr sz="1493" kern="1200">
           <a:solidFill>
             <a:schemeClr val="tx1"/>
           </a:solidFill>
@@ -2766,16 +2766,16 @@
           <a:cs typeface="+mn-cs"/>
         </a:defRPr>
       </a:lvl4pPr>
-      <a:lvl5pPr marL="1944037" indent="-216004" algn="l" defTabSz="864017" rtl="0" eaLnBrk="1" latinLnBrk="0" hangingPunct="1">
+      <a:lvl5pPr marL="1706408" indent="-189601" algn="l" defTabSz="758403" rtl="0" eaLnBrk="1" latinLnBrk="0" hangingPunct="1">
         <a:lnSpc>
           <a:spcPct val="90000"/>
         </a:lnSpc>
         <a:spcBef>
-          <a:spcPts val="472"/>
+          <a:spcPts val="415"/>
         </a:spcBef>
         <a:buFont typeface="Arial" panose="020B0604020202020204" pitchFamily="34" charset="0"/>
         <a:buChar char="•"/>
-        <a:defRPr sz="1701" kern="1200">
+        <a:defRPr sz="1493" kern="1200">
           <a:solidFill>
             <a:schemeClr val="tx1"/>
           </a:solidFill>
@@ -2784,16 +2784,16 @@
           <a:cs typeface="+mn-cs"/>
         </a:defRPr>
       </a:lvl5pPr>
-      <a:lvl6pPr marL="2376046" indent="-216004" algn="l" defTabSz="864017" rtl="0" eaLnBrk="1" latinLnBrk="0" hangingPunct="1">
+      <a:lvl6pPr marL="2085609" indent="-189601" algn="l" defTabSz="758403" rtl="0" eaLnBrk="1" latinLnBrk="0" hangingPunct="1">
         <a:lnSpc>
           <a:spcPct val="90000"/>
         </a:lnSpc>
         <a:spcBef>
-          <a:spcPts val="472"/>
+          <a:spcPts val="415"/>
         </a:spcBef>
         <a:buFont typeface="Arial" panose="020B0604020202020204" pitchFamily="34" charset="0"/>
         <a:buChar char="•"/>
-        <a:defRPr sz="1701" kern="1200">
+        <a:defRPr sz="1493" kern="1200">
           <a:solidFill>
             <a:schemeClr val="tx1"/>
           </a:solidFill>
@@ -2802,16 +2802,16 @@
           <a:cs typeface="+mn-cs"/>
         </a:defRPr>
       </a:lvl6pPr>
-      <a:lvl7pPr marL="2808054" indent="-216004" algn="l" defTabSz="864017" rtl="0" eaLnBrk="1" latinLnBrk="0" hangingPunct="1">
+      <a:lvl7pPr marL="2464811" indent="-189601" algn="l" defTabSz="758403" rtl="0" eaLnBrk="1" latinLnBrk="0" hangingPunct="1">
         <a:lnSpc>
           <a:spcPct val="90000"/>
         </a:lnSpc>
         <a:spcBef>
-          <a:spcPts val="472"/>
+          <a:spcPts val="415"/>
         </a:spcBef>
         <a:buFont typeface="Arial" panose="020B0604020202020204" pitchFamily="34" charset="0"/>
         <a:buChar char="•"/>
-        <a:defRPr sz="1701" kern="1200">
+        <a:defRPr sz="1493" kern="1200">
           <a:solidFill>
             <a:schemeClr val="tx1"/>
           </a:solidFill>
@@ -2820,16 +2820,16 @@
           <a:cs typeface="+mn-cs"/>
         </a:defRPr>
       </a:lvl7pPr>
-      <a:lvl8pPr marL="3240062" indent="-216004" algn="l" defTabSz="864017" rtl="0" eaLnBrk="1" latinLnBrk="0" hangingPunct="1">
+      <a:lvl8pPr marL="2844013" indent="-189601" algn="l" defTabSz="758403" rtl="0" eaLnBrk="1" latinLnBrk="0" hangingPunct="1">
         <a:lnSpc>
           <a:spcPct val="90000"/>
         </a:lnSpc>
         <a:spcBef>
-          <a:spcPts val="472"/>
+          <a:spcPts val="415"/>
         </a:spcBef>
         <a:buFont typeface="Arial" panose="020B0604020202020204" pitchFamily="34" charset="0"/>
         <a:buChar char="•"/>
-        <a:defRPr sz="1701" kern="1200">
+        <a:defRPr sz="1493" kern="1200">
           <a:solidFill>
             <a:schemeClr val="tx1"/>
           </a:solidFill>
@@ -2838,16 +2838,16 @@
           <a:cs typeface="+mn-cs"/>
         </a:defRPr>
       </a:lvl8pPr>
-      <a:lvl9pPr marL="3672070" indent="-216004" algn="l" defTabSz="864017" rtl="0" eaLnBrk="1" latinLnBrk="0" hangingPunct="1">
+      <a:lvl9pPr marL="3223214" indent="-189601" algn="l" defTabSz="758403" rtl="0" eaLnBrk="1" latinLnBrk="0" hangingPunct="1">
         <a:lnSpc>
           <a:spcPct val="90000"/>
         </a:lnSpc>
         <a:spcBef>
-          <a:spcPts val="472"/>
+          <a:spcPts val="415"/>
         </a:spcBef>
         <a:buFont typeface="Arial" panose="020B0604020202020204" pitchFamily="34" charset="0"/>
         <a:buChar char="•"/>
-        <a:defRPr sz="1701" kern="1200">
+        <a:defRPr sz="1493" kern="1200">
           <a:solidFill>
             <a:schemeClr val="tx1"/>
           </a:solidFill>
@@ -2861,8 +2861,8 @@
       <a:defPPr>
         <a:defRPr lang="en-US"/>
       </a:defPPr>
-      <a:lvl1pPr marL="0" algn="l" defTabSz="864017" rtl="0" eaLnBrk="1" latinLnBrk="0" hangingPunct="1">
-        <a:defRPr sz="1701" kern="1200">
+      <a:lvl1pPr marL="0" algn="l" defTabSz="758403" rtl="0" eaLnBrk="1" latinLnBrk="0" hangingPunct="1">
+        <a:defRPr sz="1493" kern="1200">
           <a:solidFill>
             <a:schemeClr val="tx1"/>
           </a:solidFill>
@@ -2871,8 +2871,8 @@
           <a:cs typeface="+mn-cs"/>
         </a:defRPr>
       </a:lvl1pPr>
-      <a:lvl2pPr marL="432008" algn="l" defTabSz="864017" rtl="0" eaLnBrk="1" latinLnBrk="0" hangingPunct="1">
-        <a:defRPr sz="1701" kern="1200">
+      <a:lvl2pPr marL="379202" algn="l" defTabSz="758403" rtl="0" eaLnBrk="1" latinLnBrk="0" hangingPunct="1">
+        <a:defRPr sz="1493" kern="1200">
           <a:solidFill>
             <a:schemeClr val="tx1"/>
           </a:solidFill>
@@ -2881,8 +2881,8 @@
           <a:cs typeface="+mn-cs"/>
         </a:defRPr>
       </a:lvl2pPr>
-      <a:lvl3pPr marL="864017" algn="l" defTabSz="864017" rtl="0" eaLnBrk="1" latinLnBrk="0" hangingPunct="1">
-        <a:defRPr sz="1701" kern="1200">
+      <a:lvl3pPr marL="758403" algn="l" defTabSz="758403" rtl="0" eaLnBrk="1" latinLnBrk="0" hangingPunct="1">
+        <a:defRPr sz="1493" kern="1200">
           <a:solidFill>
             <a:schemeClr val="tx1"/>
           </a:solidFill>
@@ -2891,8 +2891,8 @@
           <a:cs typeface="+mn-cs"/>
         </a:defRPr>
       </a:lvl3pPr>
-      <a:lvl4pPr marL="1296025" algn="l" defTabSz="864017" rtl="0" eaLnBrk="1" latinLnBrk="0" hangingPunct="1">
-        <a:defRPr sz="1701" kern="1200">
+      <a:lvl4pPr marL="1137605" algn="l" defTabSz="758403" rtl="0" eaLnBrk="1" latinLnBrk="0" hangingPunct="1">
+        <a:defRPr sz="1493" kern="1200">
           <a:solidFill>
             <a:schemeClr val="tx1"/>
           </a:solidFill>
@@ -2901,8 +2901,8 @@
           <a:cs typeface="+mn-cs"/>
         </a:defRPr>
       </a:lvl4pPr>
-      <a:lvl5pPr marL="1728033" algn="l" defTabSz="864017" rtl="0" eaLnBrk="1" latinLnBrk="0" hangingPunct="1">
-        <a:defRPr sz="1701" kern="1200">
+      <a:lvl5pPr marL="1516807" algn="l" defTabSz="758403" rtl="0" eaLnBrk="1" latinLnBrk="0" hangingPunct="1">
+        <a:defRPr sz="1493" kern="1200">
           <a:solidFill>
             <a:schemeClr val="tx1"/>
           </a:solidFill>
@@ -2911,8 +2911,8 @@
           <a:cs typeface="+mn-cs"/>
         </a:defRPr>
       </a:lvl5pPr>
-      <a:lvl6pPr marL="2160041" algn="l" defTabSz="864017" rtl="0" eaLnBrk="1" latinLnBrk="0" hangingPunct="1">
-        <a:defRPr sz="1701" kern="1200">
+      <a:lvl6pPr marL="1896008" algn="l" defTabSz="758403" rtl="0" eaLnBrk="1" latinLnBrk="0" hangingPunct="1">
+        <a:defRPr sz="1493" kern="1200">
           <a:solidFill>
             <a:schemeClr val="tx1"/>
           </a:solidFill>
@@ -2921,8 +2921,8 @@
           <a:cs typeface="+mn-cs"/>
         </a:defRPr>
       </a:lvl6pPr>
-      <a:lvl7pPr marL="2592050" algn="l" defTabSz="864017" rtl="0" eaLnBrk="1" latinLnBrk="0" hangingPunct="1">
-        <a:defRPr sz="1701" kern="1200">
+      <a:lvl7pPr marL="2275210" algn="l" defTabSz="758403" rtl="0" eaLnBrk="1" latinLnBrk="0" hangingPunct="1">
+        <a:defRPr sz="1493" kern="1200">
           <a:solidFill>
             <a:schemeClr val="tx1"/>
           </a:solidFill>
@@ -2931,8 +2931,8 @@
           <a:cs typeface="+mn-cs"/>
         </a:defRPr>
       </a:lvl7pPr>
-      <a:lvl8pPr marL="3024058" algn="l" defTabSz="864017" rtl="0" eaLnBrk="1" latinLnBrk="0" hangingPunct="1">
-        <a:defRPr sz="1701" kern="1200">
+      <a:lvl8pPr marL="2654412" algn="l" defTabSz="758403" rtl="0" eaLnBrk="1" latinLnBrk="0" hangingPunct="1">
+        <a:defRPr sz="1493" kern="1200">
           <a:solidFill>
             <a:schemeClr val="tx1"/>
           </a:solidFill>
@@ -2941,8 +2941,8 @@
           <a:cs typeface="+mn-cs"/>
         </a:defRPr>
       </a:lvl8pPr>
-      <a:lvl9pPr marL="3456066" algn="l" defTabSz="864017" rtl="0" eaLnBrk="1" latinLnBrk="0" hangingPunct="1">
-        <a:defRPr sz="1701" kern="1200">
+      <a:lvl9pPr marL="3033613" algn="l" defTabSz="758403" rtl="0" eaLnBrk="1" latinLnBrk="0" hangingPunct="1">
+        <a:defRPr sz="1493" kern="1200">
           <a:solidFill>
             <a:schemeClr val="tx1"/>
           </a:solidFill>
@@ -2995,7 +2995,7 @@
         </p:blipFill>
         <p:spPr>
           <a:xfrm>
-            <a:off x="693900" y="5691998"/>
+            <a:off x="621668" y="5021597"/>
             <a:ext cx="5356950" cy="556566"/>
           </a:xfrm>
           <a:prstGeom prst="rect">
@@ -3025,7 +3025,7 @@
         </p:blipFill>
         <p:spPr>
           <a:xfrm>
-            <a:off x="6678105" y="5702158"/>
+            <a:off x="6605873" y="5031757"/>
             <a:ext cx="5356950" cy="556566"/>
           </a:xfrm>
           <a:prstGeom prst="rect">
@@ -3035,10 +3035,10 @@
       </p:pic>
       <p:pic>
         <p:nvPicPr>
-          <p:cNvPr id="4" name="图片 3">
+          <p:cNvPr id="3" name="图片 2">
             <a:extLst>
               <a:ext uri="{FF2B5EF4-FFF2-40B4-BE49-F238E27FC236}">
-                <a16:creationId xmlns:a16="http://schemas.microsoft.com/office/drawing/2014/main" id="{740651A4-7078-D593-1794-15FF6FC5CDE7}"/>
+                <a16:creationId xmlns:a16="http://schemas.microsoft.com/office/drawing/2014/main" id="{2EA44909-FAE4-E1BF-D946-E89717FF6A02}"/>
               </a:ext>
             </a:extLst>
           </p:cNvPr>
@@ -3055,8 +3055,8 @@
         </p:blipFill>
         <p:spPr>
           <a:xfrm>
-            <a:off x="337955" y="231611"/>
-            <a:ext cx="11563713" cy="5452465"/>
+            <a:off x="265724" y="248830"/>
+            <a:ext cx="11563713" cy="4754516"/>
           </a:xfrm>
           <a:prstGeom prst="rect">
             <a:avLst/>

--- a/figures/psf_err.pptx
+++ b/figures/psf_err.pptx
@@ -243,7 +243,7 @@
           <a:p>
             <a:fld id="{57FF0C53-773C-DD4A-B534-9879AE380A4C}" type="datetimeFigureOut">
               <a:rPr kumimoji="1" lang="zh-CN" altLang="en-US" smtClean="0"/>
-              <a:t>2022/10/25</a:t>
+              <a:t>2022/10/28</a:t>
             </a:fld>
             <a:endParaRPr kumimoji="1" lang="zh-CN" altLang="en-US"/>
           </a:p>
@@ -413,7 +413,7 @@
           <a:p>
             <a:fld id="{57FF0C53-773C-DD4A-B534-9879AE380A4C}" type="datetimeFigureOut">
               <a:rPr kumimoji="1" lang="zh-CN" altLang="en-US" smtClean="0"/>
-              <a:t>2022/10/25</a:t>
+              <a:t>2022/10/28</a:t>
             </a:fld>
             <a:endParaRPr kumimoji="1" lang="zh-CN" altLang="en-US"/>
           </a:p>
@@ -593,7 +593,7 @@
           <a:p>
             <a:fld id="{57FF0C53-773C-DD4A-B534-9879AE380A4C}" type="datetimeFigureOut">
               <a:rPr kumimoji="1" lang="zh-CN" altLang="en-US" smtClean="0"/>
-              <a:t>2022/10/25</a:t>
+              <a:t>2022/10/28</a:t>
             </a:fld>
             <a:endParaRPr kumimoji="1" lang="zh-CN" altLang="en-US"/>
           </a:p>
@@ -763,7 +763,7 @@
           <a:p>
             <a:fld id="{57FF0C53-773C-DD4A-B534-9879AE380A4C}" type="datetimeFigureOut">
               <a:rPr kumimoji="1" lang="zh-CN" altLang="en-US" smtClean="0"/>
-              <a:t>2022/10/25</a:t>
+              <a:t>2022/10/28</a:t>
             </a:fld>
             <a:endParaRPr kumimoji="1" lang="zh-CN" altLang="en-US"/>
           </a:p>
@@ -1009,7 +1009,7 @@
           <a:p>
             <a:fld id="{57FF0C53-773C-DD4A-B534-9879AE380A4C}" type="datetimeFigureOut">
               <a:rPr kumimoji="1" lang="zh-CN" altLang="en-US" smtClean="0"/>
-              <a:t>2022/10/25</a:t>
+              <a:t>2022/10/28</a:t>
             </a:fld>
             <a:endParaRPr kumimoji="1" lang="zh-CN" altLang="en-US"/>
           </a:p>
@@ -1241,7 +1241,7 @@
           <a:p>
             <a:fld id="{57FF0C53-773C-DD4A-B534-9879AE380A4C}" type="datetimeFigureOut">
               <a:rPr kumimoji="1" lang="zh-CN" altLang="en-US" smtClean="0"/>
-              <a:t>2022/10/25</a:t>
+              <a:t>2022/10/28</a:t>
             </a:fld>
             <a:endParaRPr kumimoji="1" lang="zh-CN" altLang="en-US"/>
           </a:p>
@@ -1608,7 +1608,7 @@
           <a:p>
             <a:fld id="{57FF0C53-773C-DD4A-B534-9879AE380A4C}" type="datetimeFigureOut">
               <a:rPr kumimoji="1" lang="zh-CN" altLang="en-US" smtClean="0"/>
-              <a:t>2022/10/25</a:t>
+              <a:t>2022/10/28</a:t>
             </a:fld>
             <a:endParaRPr kumimoji="1" lang="zh-CN" altLang="en-US"/>
           </a:p>
@@ -1726,7 +1726,7 @@
           <a:p>
             <a:fld id="{57FF0C53-773C-DD4A-B534-9879AE380A4C}" type="datetimeFigureOut">
               <a:rPr kumimoji="1" lang="zh-CN" altLang="en-US" smtClean="0"/>
-              <a:t>2022/10/25</a:t>
+              <a:t>2022/10/28</a:t>
             </a:fld>
             <a:endParaRPr kumimoji="1" lang="zh-CN" altLang="en-US"/>
           </a:p>
@@ -1821,7 +1821,7 @@
           <a:p>
             <a:fld id="{57FF0C53-773C-DD4A-B534-9879AE380A4C}" type="datetimeFigureOut">
               <a:rPr kumimoji="1" lang="zh-CN" altLang="en-US" smtClean="0"/>
-              <a:t>2022/10/25</a:t>
+              <a:t>2022/10/28</a:t>
             </a:fld>
             <a:endParaRPr kumimoji="1" lang="zh-CN" altLang="en-US"/>
           </a:p>
@@ -2098,7 +2098,7 @@
           <a:p>
             <a:fld id="{57FF0C53-773C-DD4A-B534-9879AE380A4C}" type="datetimeFigureOut">
               <a:rPr kumimoji="1" lang="zh-CN" altLang="en-US" smtClean="0"/>
-              <a:t>2022/10/25</a:t>
+              <a:t>2022/10/28</a:t>
             </a:fld>
             <a:endParaRPr kumimoji="1" lang="zh-CN" altLang="en-US"/>
           </a:p>
@@ -2355,7 +2355,7 @@
           <a:p>
             <a:fld id="{57FF0C53-773C-DD4A-B534-9879AE380A4C}" type="datetimeFigureOut">
               <a:rPr kumimoji="1" lang="zh-CN" altLang="en-US" smtClean="0"/>
-              <a:t>2022/10/25</a:t>
+              <a:t>2022/10/28</a:t>
             </a:fld>
             <a:endParaRPr kumimoji="1" lang="zh-CN" altLang="en-US"/>
           </a:p>
@@ -2568,7 +2568,7 @@
           <a:p>
             <a:fld id="{57FF0C53-773C-DD4A-B534-9879AE380A4C}" type="datetimeFigureOut">
               <a:rPr kumimoji="1" lang="zh-CN" altLang="en-US" smtClean="0"/>
-              <a:t>2022/10/25</a:t>
+              <a:t>2022/10/28</a:t>
             </a:fld>
             <a:endParaRPr kumimoji="1" lang="zh-CN" altLang="en-US"/>
           </a:p>
@@ -3035,10 +3035,10 @@
       </p:pic>
       <p:pic>
         <p:nvPicPr>
-          <p:cNvPr id="3" name="图片 2">
+          <p:cNvPr id="4" name="图片 3" descr="图表, 折线图&#10;&#10;描述已自动生成">
             <a:extLst>
               <a:ext uri="{FF2B5EF4-FFF2-40B4-BE49-F238E27FC236}">
-                <a16:creationId xmlns:a16="http://schemas.microsoft.com/office/drawing/2014/main" id="{2EA44909-FAE4-E1BF-D946-E89717FF6A02}"/>
+                <a16:creationId xmlns:a16="http://schemas.microsoft.com/office/drawing/2014/main" id="{2B84FDB1-14FD-0BAE-7E43-3BDF032E713F}"/>
               </a:ext>
             </a:extLst>
           </p:cNvPr>
@@ -3055,8 +3055,8 @@
         </p:blipFill>
         <p:spPr>
           <a:xfrm>
-            <a:off x="265724" y="248830"/>
-            <a:ext cx="11563713" cy="4754516"/>
+            <a:off x="265724" y="333037"/>
+            <a:ext cx="11563713" cy="4688560"/>
           </a:xfrm>
           <a:prstGeom prst="rect">
             <a:avLst/>
